--- a/CMPE-252 Social Media chatbot.pptx
+++ b/CMPE-252 Social Media chatbot.pptx
@@ -7,10 +7,18 @@
   <p:sldIdLst>
     <p:sldId id="256" r:id="rId2"/>
     <p:sldId id="257" r:id="rId3"/>
-    <p:sldId id="261" r:id="rId4"/>
-    <p:sldId id="258" r:id="rId5"/>
-    <p:sldId id="260" r:id="rId6"/>
-    <p:sldId id="259" r:id="rId7"/>
+    <p:sldId id="269" r:id="rId4"/>
+    <p:sldId id="261" r:id="rId5"/>
+    <p:sldId id="262" r:id="rId6"/>
+    <p:sldId id="263" r:id="rId7"/>
+    <p:sldId id="264" r:id="rId8"/>
+    <p:sldId id="265" r:id="rId9"/>
+    <p:sldId id="266" r:id="rId10"/>
+    <p:sldId id="267" r:id="rId11"/>
+    <p:sldId id="268" r:id="rId12"/>
+    <p:sldId id="258" r:id="rId13"/>
+    <p:sldId id="260" r:id="rId14"/>
+    <p:sldId id="259" r:id="rId15"/>
   </p:sldIdLst>
   <p:sldSz cx="12192000" cy="6858000"/>
   <p:notesSz cx="6858000" cy="9144000"/>
@@ -109,6 +117,11 @@
       </a:defRPr>
     </a:lvl9pPr>
   </p:defaultTextStyle>
+  <p:extLst>
+    <p:ext uri="{EFAFB233-063F-42B5-8137-9DF3F51BA10A}">
+      <p15:sldGuideLst xmlns:p15="http://schemas.microsoft.com/office/powerpoint/2012/main"/>
+    </p:ext>
+  </p:extLst>
 </p:presentation>
 </file>
 
@@ -342,7 +355,7 @@
             <a:fld id="{B61BEF0D-F0BB-DE4B-95CE-6DB70DBA9567}" type="datetimeFigureOut">
               <a:rPr lang="en-US" dirty="0"/>
               <a:pPr/>
-              <a:t>11/24/2022</a:t>
+              <a:t>11/25/2022</a:t>
             </a:fld>
             <a:endParaRPr lang="en-US" dirty="0"/>
           </a:p>
@@ -673,7 +686,7 @@
             <a:fld id="{B61BEF0D-F0BB-DE4B-95CE-6DB70DBA9567}" type="datetimeFigureOut">
               <a:rPr lang="en-US" dirty="0"/>
               <a:pPr/>
-              <a:t>11/24/2022</a:t>
+              <a:t>11/25/2022</a:t>
             </a:fld>
             <a:endParaRPr lang="en-US" dirty="0"/>
           </a:p>
@@ -948,7 +961,7 @@
             <a:fld id="{B61BEF0D-F0BB-DE4B-95CE-6DB70DBA9567}" type="datetimeFigureOut">
               <a:rPr lang="en-US" dirty="0"/>
               <a:pPr/>
-              <a:t>11/24/2022</a:t>
+              <a:t>11/25/2022</a:t>
             </a:fld>
             <a:endParaRPr lang="en-US" dirty="0"/>
           </a:p>
@@ -1513,7 +1526,7 @@
             <a:fld id="{B61BEF0D-F0BB-DE4B-95CE-6DB70DBA9567}" type="datetimeFigureOut">
               <a:rPr lang="en-US" dirty="0"/>
               <a:pPr/>
-              <a:t>11/24/2022</a:t>
+              <a:t>11/25/2022</a:t>
             </a:fld>
             <a:endParaRPr lang="en-US" dirty="0"/>
           </a:p>
@@ -1788,7 +1801,7 @@
             <a:fld id="{B61BEF0D-F0BB-DE4B-95CE-6DB70DBA9567}" type="datetimeFigureOut">
               <a:rPr lang="en-US" dirty="0"/>
               <a:pPr/>
-              <a:t>11/24/2022</a:t>
+              <a:t>11/25/2022</a:t>
             </a:fld>
             <a:endParaRPr lang="en-US" dirty="0"/>
           </a:p>
@@ -2347,7 +2360,7 @@
             <a:fld id="{B61BEF0D-F0BB-DE4B-95CE-6DB70DBA9567}" type="datetimeFigureOut">
               <a:rPr lang="en-US" dirty="0"/>
               <a:pPr/>
-              <a:t>11/24/2022</a:t>
+              <a:t>11/25/2022</a:t>
             </a:fld>
             <a:endParaRPr lang="en-US" dirty="0"/>
           </a:p>
@@ -2671,7 +2684,7 @@
             <a:fld id="{B61BEF0D-F0BB-DE4B-95CE-6DB70DBA9567}" type="datetimeFigureOut">
               <a:rPr lang="en-US" dirty="0"/>
               <a:pPr/>
-              <a:t>11/24/2022</a:t>
+              <a:t>11/25/2022</a:t>
             </a:fld>
             <a:endParaRPr lang="en-US" dirty="0"/>
           </a:p>
@@ -2873,7 +2886,7 @@
             <a:fld id="{B61BEF0D-F0BB-DE4B-95CE-6DB70DBA9567}" type="datetimeFigureOut">
               <a:rPr lang="en-US" dirty="0"/>
               <a:pPr/>
-              <a:t>11/24/2022</a:t>
+              <a:t>11/25/2022</a:t>
             </a:fld>
             <a:endParaRPr lang="en-US" dirty="0"/>
           </a:p>
@@ -3080,7 +3093,7 @@
             <a:fld id="{B61BEF0D-F0BB-DE4B-95CE-6DB70DBA9567}" type="datetimeFigureOut">
               <a:rPr lang="en-US" dirty="0"/>
               <a:pPr/>
-              <a:t>11/24/2022</a:t>
+              <a:t>11/25/2022</a:t>
             </a:fld>
             <a:endParaRPr lang="en-US" dirty="0"/>
           </a:p>
@@ -3277,7 +3290,7 @@
             <a:fld id="{B61BEF0D-F0BB-DE4B-95CE-6DB70DBA9567}" type="datetimeFigureOut">
               <a:rPr lang="en-US" dirty="0"/>
               <a:pPr/>
-              <a:t>11/24/2022</a:t>
+              <a:t>11/25/2022</a:t>
             </a:fld>
             <a:endParaRPr lang="en-US" dirty="0"/>
           </a:p>
@@ -3550,7 +3563,7 @@
             <a:fld id="{B61BEF0D-F0BB-DE4B-95CE-6DB70DBA9567}" type="datetimeFigureOut">
               <a:rPr lang="en-US" dirty="0"/>
               <a:pPr/>
-              <a:t>11/24/2022</a:t>
+              <a:t>11/25/2022</a:t>
             </a:fld>
             <a:endParaRPr lang="en-US" dirty="0"/>
           </a:p>
@@ -3813,7 +3826,7 @@
             <a:fld id="{B61BEF0D-F0BB-DE4B-95CE-6DB70DBA9567}" type="datetimeFigureOut">
               <a:rPr lang="en-US" dirty="0"/>
               <a:pPr/>
-              <a:t>11/24/2022</a:t>
+              <a:t>11/25/2022</a:t>
             </a:fld>
             <a:endParaRPr lang="en-US" dirty="0"/>
           </a:p>
@@ -4184,7 +4197,7 @@
             <a:fld id="{B61BEF0D-F0BB-DE4B-95CE-6DB70DBA9567}" type="datetimeFigureOut">
               <a:rPr lang="en-US" dirty="0"/>
               <a:pPr/>
-              <a:t>11/24/2022</a:t>
+              <a:t>11/25/2022</a:t>
             </a:fld>
             <a:endParaRPr lang="en-US" dirty="0"/>
           </a:p>
@@ -4329,7 +4342,7 @@
             <a:fld id="{B61BEF0D-F0BB-DE4B-95CE-6DB70DBA9567}" type="datetimeFigureOut">
               <a:rPr lang="en-US" dirty="0"/>
               <a:pPr/>
-              <a:t>11/24/2022</a:t>
+              <a:t>11/25/2022</a:t>
             </a:fld>
             <a:endParaRPr lang="en-US" dirty="0"/>
           </a:p>
@@ -4451,7 +4464,7 @@
             <a:fld id="{B61BEF0D-F0BB-DE4B-95CE-6DB70DBA9567}" type="datetimeFigureOut">
               <a:rPr lang="en-US" dirty="0"/>
               <a:pPr/>
-              <a:t>11/24/2022</a:t>
+              <a:t>11/25/2022</a:t>
             </a:fld>
             <a:endParaRPr lang="en-US" dirty="0"/>
           </a:p>
@@ -4733,7 +4746,7 @@
             <a:fld id="{B61BEF0D-F0BB-DE4B-95CE-6DB70DBA9567}" type="datetimeFigureOut">
               <a:rPr lang="en-US" dirty="0"/>
               <a:pPr/>
-              <a:t>11/24/2022</a:t>
+              <a:t>11/25/2022</a:t>
             </a:fld>
             <a:endParaRPr lang="en-US" dirty="0"/>
           </a:p>
@@ -5054,7 +5067,7 @@
             <a:fld id="{B61BEF0D-F0BB-DE4B-95CE-6DB70DBA9567}" type="datetimeFigureOut">
               <a:rPr lang="en-US" dirty="0"/>
               <a:pPr/>
-              <a:t>11/24/2022</a:t>
+              <a:t>11/25/2022</a:t>
             </a:fld>
             <a:endParaRPr lang="en-US" dirty="0"/>
           </a:p>
@@ -5265,7 +5278,7 @@
             <a:fld id="{B61BEF0D-F0BB-DE4B-95CE-6DB70DBA9567}" type="datetimeFigureOut">
               <a:rPr lang="en-US" dirty="0"/>
               <a:pPr/>
-              <a:t>11/24/2022</a:t>
+              <a:t>11/25/2022</a:t>
             </a:fld>
             <a:endParaRPr lang="en-US" dirty="0"/>
           </a:p>
@@ -5889,7 +5902,149 @@
 </p:sld>
 </file>
 
-<file path=ppt/slides/slide2.xml><?xml version="1.0" encoding="utf-8"?>
+<file path=ppt/slides/slide10.xml><?xml version="1.0" encoding="utf-8"?>
+<p:sld xmlns:a="http://schemas.openxmlformats.org/drawingml/2006/main" xmlns:r="http://schemas.openxmlformats.org/officeDocument/2006/relationships" xmlns:p="http://schemas.openxmlformats.org/presentationml/2006/main">
+  <p:cSld>
+    <p:bg>
+      <p:bgPr>
+        <a:blipFill>
+          <a:blip r:embed="rId2"/>
+          <a:stretch/>
+        </a:blipFill>
+        <a:effectLst/>
+      </p:bgPr>
+    </p:bg>
+    <p:spTree>
+      <p:nvGrpSpPr>
+        <p:cNvPr id="1" name=""/>
+        <p:cNvGrpSpPr/>
+        <p:nvPr/>
+      </p:nvGrpSpPr>
+      <p:grpSpPr>
+        <a:xfrm>
+          <a:off x="0" y="0"/>
+          <a:ext cx="0" cy="0"/>
+          <a:chOff x="0" y="0"/>
+          <a:chExt cx="0" cy="0"/>
+        </a:xfrm>
+      </p:grpSpPr>
+      <p:pic>
+        <p:nvPicPr>
+          <p:cNvPr id="10" name="Picture 9">
+            <a:extLst>
+              <a:ext uri="{FF2B5EF4-FFF2-40B4-BE49-F238E27FC236}">
+                <a16:creationId xmlns:a16="http://schemas.microsoft.com/office/drawing/2014/main" id="{F3812132-56AD-436D-A522-B55990A6A8E0}"/>
+              </a:ext>
+              <a:ext uri="{C183D7F6-B498-43B3-948B-1728B52AA6E4}">
+                <adec:decorative xmlns:adec="http://schemas.microsoft.com/office/drawing/2017/decorative" val="1"/>
+              </a:ext>
+            </a:extLst>
+          </p:cNvPr>
+          <p:cNvPicPr>
+            <a:picLocks noGrp="1" noRot="1" noChangeAspect="1" noMove="1" noResize="1" noEditPoints="1" noAdjustHandles="1" noChangeArrowheads="1" noChangeShapeType="1" noCrop="1"/>
+          </p:cNvPicPr>
+          <p:nvPr>
+            <p:extLst>
+              <p:ext uri="{386F3935-93C4-4BCD-93E2-E3B085C9AB24}">
+                <p16:designElem xmlns:p16="http://schemas.microsoft.com/office/powerpoint/2015/main" val="1"/>
+              </p:ext>
+            </p:extLst>
+          </p:nvPr>
+        </p:nvPicPr>
+        <p:blipFill>
+          <a:blip r:embed="rId3">
+            <a:extLst>
+              <a:ext uri="{28A0092B-C50C-407E-A947-70E740481C1C}">
+                <a14:useLocalDpi xmlns:a14="http://schemas.microsoft.com/office/drawing/2010/main" val="0"/>
+              </a:ext>
+            </a:extLst>
+          </a:blip>
+          <a:stretch>
+            <a:fillRect/>
+          </a:stretch>
+        </p:blipFill>
+        <p:spPr>
+          <a:xfrm>
+            <a:off x="0" y="0"/>
+            <a:ext cx="12188825" cy="6856214"/>
+          </a:xfrm>
+          <a:prstGeom prst="rect">
+            <a:avLst/>
+          </a:prstGeom>
+        </p:spPr>
+      </p:pic>
+      <p:pic>
+        <p:nvPicPr>
+          <p:cNvPr id="5" name="Picture 4">
+            <a:extLst>
+              <a:ext uri="{FF2B5EF4-FFF2-40B4-BE49-F238E27FC236}">
+                <a16:creationId xmlns:a16="http://schemas.microsoft.com/office/drawing/2014/main" id="{7435CD37-CBD3-4B08-47A5-F2ADA46B611D}"/>
+              </a:ext>
+            </a:extLst>
+          </p:cNvPr>
+          <p:cNvPicPr>
+            <a:picLocks noChangeAspect="1"/>
+          </p:cNvPicPr>
+          <p:nvPr/>
+        </p:nvPicPr>
+        <p:blipFill>
+          <a:blip r:embed="rId4"/>
+          <a:stretch>
+            <a:fillRect/>
+          </a:stretch>
+        </p:blipFill>
+        <p:spPr>
+          <a:xfrm>
+            <a:off x="2096660" y="668213"/>
+            <a:ext cx="6921364" cy="5519788"/>
+          </a:xfrm>
+          <a:prstGeom prst="roundRect">
+            <a:avLst>
+              <a:gd name="adj" fmla="val 4380"/>
+            </a:avLst>
+          </a:prstGeom>
+          <a:ln w="50800" cap="sq" cmpd="dbl">
+            <a:gradFill flip="none" rotWithShape="1">
+              <a:gsLst>
+                <a:gs pos="0">
+                  <a:srgbClr val="FFFFFF"/>
+                </a:gs>
+                <a:gs pos="100000">
+                  <a:schemeClr val="tx1">
+                    <a:alpha val="0"/>
+                  </a:schemeClr>
+                </a:gs>
+              </a:gsLst>
+              <a:path path="circle">
+                <a:fillToRect l="50000" t="50000" r="50000" b="50000"/>
+              </a:path>
+              <a:tileRect/>
+            </a:gradFill>
+            <a:miter lim="800000"/>
+          </a:ln>
+          <a:effectLst>
+            <a:outerShdw blurRad="254000" algn="tl" rotWithShape="0">
+              <a:srgbClr val="000000">
+                <a:alpha val="43000"/>
+              </a:srgbClr>
+            </a:outerShdw>
+          </a:effectLst>
+        </p:spPr>
+      </p:pic>
+    </p:spTree>
+    <p:extLst>
+      <p:ext uri="{BB962C8B-B14F-4D97-AF65-F5344CB8AC3E}">
+        <p14:creationId xmlns:p14="http://schemas.microsoft.com/office/powerpoint/2010/main" val="3117437086"/>
+      </p:ext>
+    </p:extLst>
+  </p:cSld>
+  <p:clrMapOvr>
+    <a:masterClrMapping/>
+  </p:clrMapOvr>
+</p:sld>
+</file>
+
+<file path=ppt/slides/slide11.xml><?xml version="1.0" encoding="utf-8"?>
 <p:sld xmlns:a="http://schemas.openxmlformats.org/drawingml/2006/main" xmlns:r="http://schemas.openxmlformats.org/officeDocument/2006/relationships" xmlns:p="http://schemas.openxmlformats.org/presentationml/2006/main">
   <p:cSld>
     <p:spTree>
@@ -5908,6 +6063,72 @@
       </p:grpSpPr>
       <p:sp>
         <p:nvSpPr>
+          <p:cNvPr id="2" name="Title 1">
+            <a:extLst>
+              <a:ext uri="{FF2B5EF4-FFF2-40B4-BE49-F238E27FC236}">
+                <a16:creationId xmlns:a16="http://schemas.microsoft.com/office/drawing/2014/main" id="{324E594D-F9C1-F354-DD5E-56A24425C7ED}"/>
+              </a:ext>
+            </a:extLst>
+          </p:cNvPr>
+          <p:cNvSpPr>
+            <a:spLocks noGrp="1"/>
+          </p:cNvSpPr>
+          <p:nvPr>
+            <p:ph type="title"/>
+          </p:nvPr>
+        </p:nvSpPr>
+        <p:spPr>
+          <a:xfrm>
+            <a:off x="4866692" y="2216900"/>
+            <a:ext cx="2458616" cy="1468800"/>
+          </a:xfrm>
+        </p:spPr>
+        <p:txBody>
+          <a:bodyPr>
+            <a:normAutofit/>
+          </a:bodyPr>
+          <a:lstStyle/>
+          <a:p>
+            <a:r>
+              <a:rPr lang="en-US" sz="4800" dirty="0"/>
+              <a:t>DEMO</a:t>
+            </a:r>
+            <a:endParaRPr lang="en-IN" sz="4800" dirty="0"/>
+          </a:p>
+        </p:txBody>
+      </p:sp>
+    </p:spTree>
+    <p:extLst>
+      <p:ext uri="{BB962C8B-B14F-4D97-AF65-F5344CB8AC3E}">
+        <p14:creationId xmlns:p14="http://schemas.microsoft.com/office/powerpoint/2010/main" val="2195200055"/>
+      </p:ext>
+    </p:extLst>
+  </p:cSld>
+  <p:clrMapOvr>
+    <a:masterClrMapping/>
+  </p:clrMapOvr>
+</p:sld>
+</file>
+
+<file path=ppt/slides/slide12.xml><?xml version="1.0" encoding="utf-8"?>
+<p:sld xmlns:a="http://schemas.openxmlformats.org/drawingml/2006/main" xmlns:r="http://schemas.openxmlformats.org/officeDocument/2006/relationships" xmlns:p="http://schemas.openxmlformats.org/presentationml/2006/main">
+  <p:cSld>
+    <p:spTree>
+      <p:nvGrpSpPr>
+        <p:cNvPr id="1" name=""/>
+        <p:cNvGrpSpPr/>
+        <p:nvPr/>
+      </p:nvGrpSpPr>
+      <p:grpSpPr>
+        <a:xfrm>
+          <a:off x="0" y="0"/>
+          <a:ext cx="0" cy="0"/>
+          <a:chOff x="0" y="0"/>
+          <a:chExt cx="0" cy="0"/>
+        </a:xfrm>
+      </p:grpSpPr>
+      <p:sp>
+        <p:nvSpPr>
           <p:cNvPr id="10" name="Title 9">
             <a:extLst>
               <a:ext uri="{FF2B5EF4-FFF2-40B4-BE49-F238E27FC236}">
@@ -5924,8 +6145,8 @@
         </p:nvSpPr>
         <p:spPr>
           <a:xfrm>
-            <a:off x="685800" y="270588"/>
-            <a:ext cx="10131427" cy="860400"/>
+            <a:off x="685800" y="298580"/>
+            <a:ext cx="10131428" cy="832408"/>
           </a:xfrm>
         </p:spPr>
         <p:txBody>
@@ -5935,9 +6156,8 @@
             <a:pPr algn="ctr"/>
             <a:r>
               <a:rPr lang="en-US" dirty="0"/>
-              <a:t>MOTIVATION</a:t>
-            </a:r>
-            <a:endParaRPr lang="en-IN" dirty="0"/>
+              <a:t>Challenges faced</a:t>
+            </a:r>
           </a:p>
         </p:txBody>
       </p:sp>
@@ -5959,7 +6179,7 @@
         </p:nvSpPr>
         <p:spPr>
           <a:xfrm>
-            <a:off x="1030286" y="1884784"/>
+            <a:off x="1132923" y="1336095"/>
             <a:ext cx="10131428" cy="2332653"/>
           </a:xfrm>
         </p:spPr>
@@ -5969,15 +6189,996 @@
           </a:bodyPr>
           <a:lstStyle/>
           <a:p>
-            <a:pPr algn="ctr"/>
-            <a:r>
-              <a:rPr lang="en-US" sz="2400" dirty="0"/>
+            <a:pPr algn="l">
+              <a:buFont typeface="Arial" panose="020B0604020202020204" pitchFamily="34" charset="0"/>
+              <a:buChar char="•"/>
+            </a:pPr>
+            <a:r>
+              <a:rPr lang="en-US" sz="2000" b="0" i="0" dirty="0">
+                <a:effectLst/>
+                <a:latin typeface="-apple-system"/>
+              </a:rPr>
+              <a:t> Named Entity detection was difficult.</a:t>
+            </a:r>
+          </a:p>
+          <a:p>
+            <a:pPr algn="l">
+              <a:buFont typeface="Arial" panose="020B0604020202020204" pitchFamily="34" charset="0"/>
+              <a:buChar char="•"/>
+            </a:pPr>
+            <a:r>
+              <a:rPr lang="en-US" sz="2000" b="0" i="0" dirty="0">
+                <a:effectLst/>
+                <a:latin typeface="-apple-system"/>
+              </a:rPr>
+              <a:t> Trying to run actions for the first time was very difficult as I made </a:t>
+            </a:r>
+            <a:r>
+              <a:rPr lang="en-US" sz="2000" b="0" i="0" dirty="0" err="1">
+                <a:effectLst/>
+                <a:latin typeface="-apple-system"/>
+              </a:rPr>
+              <a:t>made</a:t>
+            </a:r>
+            <a:r>
+              <a:rPr lang="en-US" sz="2000" b="0" i="0" dirty="0">
+                <a:effectLst/>
+                <a:latin typeface="-apple-system"/>
+              </a:rPr>
+              <a:t> mistakes in port number.</a:t>
+            </a:r>
+          </a:p>
+          <a:p>
+            <a:pPr algn="l">
+              <a:buFont typeface="Arial" panose="020B0604020202020204" pitchFamily="34" charset="0"/>
+              <a:buChar char="•"/>
+            </a:pPr>
+            <a:r>
+              <a:rPr lang="en-US" sz="2000" b="0" i="0" dirty="0">
+                <a:effectLst/>
+                <a:latin typeface="-apple-system"/>
+              </a:rPr>
+              <a:t> Adding the bot to slack for a little tedious process.</a:t>
+            </a:r>
+          </a:p>
+        </p:txBody>
+      </p:sp>
+      <p:sp>
+        <p:nvSpPr>
+          <p:cNvPr id="3" name="Text Placeholder 10">
+            <a:extLst>
+              <a:ext uri="{FF2B5EF4-FFF2-40B4-BE49-F238E27FC236}">
+                <a16:creationId xmlns:a16="http://schemas.microsoft.com/office/drawing/2014/main" id="{2567F087-9311-CB4F-87B1-49D81EE52AF7}"/>
+              </a:ext>
+            </a:extLst>
+          </p:cNvPr>
+          <p:cNvSpPr txBox="1">
+            <a:spLocks/>
+          </p:cNvSpPr>
+          <p:nvPr/>
+        </p:nvSpPr>
+        <p:spPr>
+          <a:xfrm>
+            <a:off x="1132923" y="4217436"/>
+            <a:ext cx="10131428" cy="2332653"/>
+          </a:xfrm>
+          <a:prstGeom prst="rect">
+            <a:avLst/>
+          </a:prstGeom>
+        </p:spPr>
+        <p:txBody>
+          <a:bodyPr vert="horz" lIns="91440" tIns="45720" rIns="91440" bIns="45720" rtlCol="0" anchor="t">
+            <a:normAutofit/>
+          </a:bodyPr>
+          <a:lstStyle>
+            <a:lvl1pPr marL="0" indent="0" algn="l" defTabSz="457200" rtl="0" eaLnBrk="1" latinLnBrk="0" hangingPunct="1">
+              <a:spcBef>
+                <a:spcPts val="0"/>
+              </a:spcBef>
+              <a:spcAft>
+                <a:spcPts val="1000"/>
+              </a:spcAft>
+              <a:buClr>
+                <a:schemeClr val="tx1"/>
+              </a:buClr>
+              <a:buSzPct val="100000"/>
+              <a:buFont typeface="Arial"/>
+              <a:buNone/>
+              <a:defRPr sz="2000" kern="1200" cap="all">
+                <a:solidFill>
+                  <a:schemeClr val="tx1"/>
+                </a:solidFill>
+                <a:effectLst/>
+                <a:latin typeface="+mn-lt"/>
+                <a:ea typeface="+mn-ea"/>
+                <a:cs typeface="+mn-cs"/>
+              </a:defRPr>
+            </a:lvl1pPr>
+            <a:lvl2pPr marL="457200" indent="0" algn="l" defTabSz="457200" rtl="0" eaLnBrk="1" latinLnBrk="0" hangingPunct="1">
+              <a:spcBef>
+                <a:spcPts val="0"/>
+              </a:spcBef>
+              <a:spcAft>
+                <a:spcPts val="1000"/>
+              </a:spcAft>
+              <a:buClr>
+                <a:schemeClr val="tx1"/>
+              </a:buClr>
+              <a:buSzPct val="100000"/>
+              <a:buFont typeface="Arial"/>
+              <a:buNone/>
+              <a:defRPr sz="1800" kern="1200" cap="none">
+                <a:solidFill>
+                  <a:schemeClr val="tx1">
+                    <a:tint val="75000"/>
+                  </a:schemeClr>
+                </a:solidFill>
+                <a:effectLst/>
+                <a:latin typeface="+mn-lt"/>
+                <a:ea typeface="+mn-ea"/>
+                <a:cs typeface="+mn-cs"/>
+              </a:defRPr>
+            </a:lvl2pPr>
+            <a:lvl3pPr marL="914400" indent="0" algn="l" defTabSz="457200" rtl="0" eaLnBrk="1" latinLnBrk="0" hangingPunct="1">
+              <a:spcBef>
+                <a:spcPts val="0"/>
+              </a:spcBef>
+              <a:spcAft>
+                <a:spcPts val="1000"/>
+              </a:spcAft>
+              <a:buClr>
+                <a:schemeClr val="tx1"/>
+              </a:buClr>
+              <a:buSzPct val="100000"/>
+              <a:buFont typeface="Arial"/>
+              <a:buNone/>
+              <a:defRPr sz="1600" kern="1200" cap="none">
+                <a:solidFill>
+                  <a:schemeClr val="tx1">
+                    <a:tint val="75000"/>
+                  </a:schemeClr>
+                </a:solidFill>
+                <a:effectLst/>
+                <a:latin typeface="+mn-lt"/>
+                <a:ea typeface="+mn-ea"/>
+                <a:cs typeface="+mn-cs"/>
+              </a:defRPr>
+            </a:lvl3pPr>
+            <a:lvl4pPr marL="1371600" indent="0" algn="l" defTabSz="457200" rtl="0" eaLnBrk="1" latinLnBrk="0" hangingPunct="1">
+              <a:spcBef>
+                <a:spcPts val="0"/>
+              </a:spcBef>
+              <a:spcAft>
+                <a:spcPts val="1000"/>
+              </a:spcAft>
+              <a:buClr>
+                <a:schemeClr val="tx1"/>
+              </a:buClr>
+              <a:buSzPct val="100000"/>
+              <a:buFont typeface="Arial"/>
+              <a:buNone/>
+              <a:defRPr sz="1400" kern="1200" cap="none">
+                <a:solidFill>
+                  <a:schemeClr val="tx1">
+                    <a:tint val="75000"/>
+                  </a:schemeClr>
+                </a:solidFill>
+                <a:effectLst/>
+                <a:latin typeface="+mn-lt"/>
+                <a:ea typeface="+mn-ea"/>
+                <a:cs typeface="+mn-cs"/>
+              </a:defRPr>
+            </a:lvl4pPr>
+            <a:lvl5pPr marL="1828800" indent="0" algn="l" defTabSz="457200" rtl="0" eaLnBrk="1" latinLnBrk="0" hangingPunct="1">
+              <a:spcBef>
+                <a:spcPts val="0"/>
+              </a:spcBef>
+              <a:spcAft>
+                <a:spcPts val="1000"/>
+              </a:spcAft>
+              <a:buClr>
+                <a:schemeClr val="tx1"/>
+              </a:buClr>
+              <a:buSzPct val="100000"/>
+              <a:buFont typeface="Arial"/>
+              <a:buNone/>
+              <a:defRPr sz="1400" kern="1200" cap="none">
+                <a:solidFill>
+                  <a:schemeClr val="tx1">
+                    <a:tint val="75000"/>
+                  </a:schemeClr>
+                </a:solidFill>
+                <a:effectLst/>
+                <a:latin typeface="+mn-lt"/>
+                <a:ea typeface="+mn-ea"/>
+                <a:cs typeface="+mn-cs"/>
+              </a:defRPr>
+            </a:lvl5pPr>
+            <a:lvl6pPr marL="2286000" indent="0" algn="l" defTabSz="457200" rtl="0" eaLnBrk="1" latinLnBrk="0" hangingPunct="1">
+              <a:spcBef>
+                <a:spcPts val="0"/>
+              </a:spcBef>
+              <a:spcAft>
+                <a:spcPts val="1000"/>
+              </a:spcAft>
+              <a:buClr>
+                <a:schemeClr val="tx1"/>
+              </a:buClr>
+              <a:buSzPct val="100000"/>
+              <a:buFont typeface="Arial"/>
+              <a:buNone/>
+              <a:defRPr sz="1400" kern="1200" cap="none">
+                <a:solidFill>
+                  <a:schemeClr val="tx1">
+                    <a:tint val="75000"/>
+                  </a:schemeClr>
+                </a:solidFill>
+                <a:effectLst/>
+                <a:latin typeface="+mn-lt"/>
+                <a:ea typeface="+mn-ea"/>
+                <a:cs typeface="+mn-cs"/>
+              </a:defRPr>
+            </a:lvl6pPr>
+            <a:lvl7pPr marL="2743200" indent="0" algn="l" defTabSz="457200" rtl="0" eaLnBrk="1" latinLnBrk="0" hangingPunct="1">
+              <a:spcBef>
+                <a:spcPts val="0"/>
+              </a:spcBef>
+              <a:spcAft>
+                <a:spcPts val="1000"/>
+              </a:spcAft>
+              <a:buClr>
+                <a:schemeClr val="tx1"/>
+              </a:buClr>
+              <a:buSzPct val="100000"/>
+              <a:buFont typeface="Arial"/>
+              <a:buNone/>
+              <a:defRPr sz="1400" kern="1200" cap="none">
+                <a:solidFill>
+                  <a:schemeClr val="tx1">
+                    <a:tint val="75000"/>
+                  </a:schemeClr>
+                </a:solidFill>
+                <a:effectLst/>
+                <a:latin typeface="+mn-lt"/>
+                <a:ea typeface="+mn-ea"/>
+                <a:cs typeface="+mn-cs"/>
+              </a:defRPr>
+            </a:lvl7pPr>
+            <a:lvl8pPr marL="3200400" indent="0" algn="l" defTabSz="457200" rtl="0" eaLnBrk="1" latinLnBrk="0" hangingPunct="1">
+              <a:spcBef>
+                <a:spcPts val="0"/>
+              </a:spcBef>
+              <a:spcAft>
+                <a:spcPts val="1000"/>
+              </a:spcAft>
+              <a:buClr>
+                <a:schemeClr val="tx1"/>
+              </a:buClr>
+              <a:buSzPct val="100000"/>
+              <a:buFont typeface="Arial"/>
+              <a:buNone/>
+              <a:defRPr sz="1400" kern="1200" cap="none">
+                <a:solidFill>
+                  <a:schemeClr val="tx1">
+                    <a:tint val="75000"/>
+                  </a:schemeClr>
+                </a:solidFill>
+                <a:effectLst/>
+                <a:latin typeface="+mn-lt"/>
+                <a:ea typeface="+mn-ea"/>
+                <a:cs typeface="+mn-cs"/>
+              </a:defRPr>
+            </a:lvl8pPr>
+            <a:lvl9pPr marL="3657600" indent="0" algn="l" defTabSz="457200" rtl="0" eaLnBrk="1" latinLnBrk="0" hangingPunct="1">
+              <a:spcBef>
+                <a:spcPts val="0"/>
+              </a:spcBef>
+              <a:spcAft>
+                <a:spcPts val="1000"/>
+              </a:spcAft>
+              <a:buClr>
+                <a:schemeClr val="tx1"/>
+              </a:buClr>
+              <a:buSzPct val="100000"/>
+              <a:buFont typeface="Arial"/>
+              <a:buNone/>
+              <a:defRPr sz="1400" kern="1200" cap="none">
+                <a:solidFill>
+                  <a:schemeClr val="tx1">
+                    <a:tint val="75000"/>
+                  </a:schemeClr>
+                </a:solidFill>
+                <a:effectLst/>
+                <a:latin typeface="+mn-lt"/>
+                <a:ea typeface="+mn-ea"/>
+                <a:cs typeface="+mn-cs"/>
+              </a:defRPr>
+            </a:lvl9pPr>
+          </a:lstStyle>
+          <a:p>
+            <a:pPr algn="l">
+              <a:buFont typeface="Arial" panose="020B0604020202020204" pitchFamily="34" charset="0"/>
+              <a:buChar char="•"/>
+            </a:pPr>
+            <a:r>
+              <a:rPr lang="en-US" sz="2000" b="0" i="0" dirty="0">
+                <a:effectLst/>
+                <a:latin typeface="-apple-system"/>
+              </a:rPr>
+              <a:t> Make it more generic to detect Proper Noun better.</a:t>
+            </a:r>
+          </a:p>
+          <a:p>
+            <a:pPr algn="l">
+              <a:buFont typeface="Arial" panose="020B0604020202020204" pitchFamily="34" charset="0"/>
+              <a:buChar char="•"/>
+            </a:pPr>
+            <a:r>
+              <a:rPr lang="en-US" sz="2000" b="0" i="0" dirty="0">
+                <a:effectLst/>
+                <a:latin typeface="-apple-system"/>
+              </a:rPr>
+              <a:t> Add more social media platforms.</a:t>
+            </a:r>
+          </a:p>
+          <a:p>
+            <a:pPr algn="l">
+              <a:buFont typeface="Arial" panose="020B0604020202020204" pitchFamily="34" charset="0"/>
+              <a:buChar char="•"/>
+            </a:pPr>
+            <a:r>
+              <a:rPr lang="en-US" sz="2000" b="0" i="0" dirty="0">
+                <a:effectLst/>
+                <a:latin typeface="-apple-system"/>
+              </a:rPr>
+              <a:t> Add Translations to other languages.</a:t>
+            </a:r>
+          </a:p>
+          <a:p>
+            <a:pPr algn="l">
+              <a:buFont typeface="Arial" panose="020B0604020202020204" pitchFamily="34" charset="0"/>
+              <a:buChar char="•"/>
+            </a:pPr>
+            <a:r>
+              <a:rPr lang="en-US" sz="2000" b="0" i="0" dirty="0">
+                <a:effectLst/>
+                <a:latin typeface="-apple-system"/>
+              </a:rPr>
+              <a:t> Add Feedback Form.</a:t>
+            </a:r>
+          </a:p>
+        </p:txBody>
+      </p:sp>
+      <p:sp>
+        <p:nvSpPr>
+          <p:cNvPr id="5" name="TextBox 4">
+            <a:extLst>
+              <a:ext uri="{FF2B5EF4-FFF2-40B4-BE49-F238E27FC236}">
+                <a16:creationId xmlns:a16="http://schemas.microsoft.com/office/drawing/2014/main" id="{8252C873-0CF6-67A3-BBBC-F266DFBC465C}"/>
+              </a:ext>
+            </a:extLst>
+          </p:cNvPr>
+          <p:cNvSpPr txBox="1"/>
+          <p:nvPr/>
+        </p:nvSpPr>
+        <p:spPr>
+          <a:xfrm>
+            <a:off x="2702737" y="3314805"/>
+            <a:ext cx="6097554" cy="707886"/>
+          </a:xfrm>
+          <a:prstGeom prst="rect">
+            <a:avLst/>
+          </a:prstGeom>
+          <a:noFill/>
+        </p:spPr>
+        <p:txBody>
+          <a:bodyPr wrap="square">
+            <a:spAutoFit/>
+          </a:bodyPr>
+          <a:lstStyle/>
+          <a:p>
+            <a:pPr lvl="1"/>
+            <a:r>
+              <a:rPr lang="en-US" sz="4000" dirty="0"/>
+              <a:t>FUTURE IMPROVEMENTS</a:t>
+            </a:r>
+            <a:endParaRPr lang="en-IN" sz="4000" dirty="0"/>
+          </a:p>
+        </p:txBody>
+      </p:sp>
+    </p:spTree>
+    <p:extLst>
+      <p:ext uri="{BB962C8B-B14F-4D97-AF65-F5344CB8AC3E}">
+        <p14:creationId xmlns:p14="http://schemas.microsoft.com/office/powerpoint/2010/main" val="742046810"/>
+      </p:ext>
+    </p:extLst>
+  </p:cSld>
+  <p:clrMapOvr>
+    <a:masterClrMapping/>
+  </p:clrMapOvr>
+</p:sld>
+</file>
+
+<file path=ppt/slides/slide13.xml><?xml version="1.0" encoding="utf-8"?>
+<p:sld xmlns:a="http://schemas.openxmlformats.org/drawingml/2006/main" xmlns:r="http://schemas.openxmlformats.org/officeDocument/2006/relationships" xmlns:p="http://schemas.openxmlformats.org/presentationml/2006/main">
+  <p:cSld>
+    <p:spTree>
+      <p:nvGrpSpPr>
+        <p:cNvPr id="1" name=""/>
+        <p:cNvGrpSpPr/>
+        <p:nvPr/>
+      </p:nvGrpSpPr>
+      <p:grpSpPr>
+        <a:xfrm>
+          <a:off x="0" y="0"/>
+          <a:ext cx="0" cy="0"/>
+          <a:chOff x="0" y="0"/>
+          <a:chExt cx="0" cy="0"/>
+        </a:xfrm>
+      </p:grpSpPr>
+      <p:sp>
+        <p:nvSpPr>
+          <p:cNvPr id="2" name="Title 1">
+            <a:extLst>
+              <a:ext uri="{FF2B5EF4-FFF2-40B4-BE49-F238E27FC236}">
+                <a16:creationId xmlns:a16="http://schemas.microsoft.com/office/drawing/2014/main" id="{ECF4E167-B8FC-939A-82C8-F08C2BB12E85}"/>
+              </a:ext>
+            </a:extLst>
+          </p:cNvPr>
+          <p:cNvSpPr>
+            <a:spLocks noGrp="1"/>
+          </p:cNvSpPr>
+          <p:nvPr>
+            <p:ph type="title"/>
+          </p:nvPr>
+        </p:nvSpPr>
+        <p:spPr>
+          <a:xfrm>
+            <a:off x="4100806" y="96652"/>
+            <a:ext cx="3503644" cy="1123567"/>
+          </a:xfrm>
+        </p:spPr>
+        <p:txBody>
+          <a:bodyPr/>
+          <a:lstStyle/>
+          <a:p>
+            <a:r>
+              <a:rPr lang="en-US" dirty="0"/>
+              <a:t>References</a:t>
+            </a:r>
+            <a:endParaRPr lang="en-IN" dirty="0"/>
+          </a:p>
+        </p:txBody>
+      </p:sp>
+      <p:sp>
+        <p:nvSpPr>
+          <p:cNvPr id="3" name="Text Placeholder 2">
+            <a:extLst>
+              <a:ext uri="{FF2B5EF4-FFF2-40B4-BE49-F238E27FC236}">
+                <a16:creationId xmlns:a16="http://schemas.microsoft.com/office/drawing/2014/main" id="{85954DC2-DC07-1E16-FEF0-A86B056CCD0A}"/>
+              </a:ext>
+            </a:extLst>
+          </p:cNvPr>
+          <p:cNvSpPr>
+            <a:spLocks noGrp="1"/>
+          </p:cNvSpPr>
+          <p:nvPr>
+            <p:ph type="body" idx="1"/>
+          </p:nvPr>
+        </p:nvSpPr>
+        <p:spPr>
+          <a:xfrm>
+            <a:off x="685799" y="1586204"/>
+            <a:ext cx="10131428" cy="4051577"/>
+          </a:xfrm>
+        </p:spPr>
+        <p:txBody>
+          <a:bodyPr>
+            <a:normAutofit/>
+          </a:bodyPr>
+          <a:lstStyle/>
+          <a:p>
+            <a:pPr algn="l">
+              <a:buFont typeface="Arial" panose="020B0604020202020204" pitchFamily="34" charset="0"/>
+              <a:buChar char="•"/>
+            </a:pPr>
+            <a:r>
+              <a:rPr lang="en-IN" b="0" i="0" u="none" strike="noStrike" dirty="0">
+                <a:effectLst/>
+                <a:latin typeface="-apple-system"/>
+                <a:hlinkClick r:id="rId2">
+                  <a:extLst>
+                    <a:ext uri="{A12FA001-AC4F-418D-AE19-62706E023703}">
+                      <ahyp:hlinkClr xmlns:ahyp="http://schemas.microsoft.com/office/drawing/2018/hyperlinkcolor" val="tx"/>
+                    </a:ext>
+                  </a:extLst>
+                </a:hlinkClick>
+              </a:rPr>
+              <a:t> https://rasa.com/docs/rasa/installation/environment-set-up/</a:t>
+            </a:r>
+            <a:endParaRPr lang="en-IN" b="0" i="0" dirty="0">
+              <a:effectLst/>
+              <a:latin typeface="-apple-system"/>
+            </a:endParaRPr>
+          </a:p>
+          <a:p>
+            <a:pPr algn="l">
+              <a:buFont typeface="Arial" panose="020B0604020202020204" pitchFamily="34" charset="0"/>
+              <a:buChar char="•"/>
+            </a:pPr>
+            <a:r>
+              <a:rPr lang="en-IN" b="0" i="0" u="none" strike="noStrike" dirty="0">
+                <a:effectLst/>
+                <a:latin typeface="-apple-system"/>
+                <a:hlinkClick r:id="rId3">
+                  <a:extLst>
+                    <a:ext uri="{A12FA001-AC4F-418D-AE19-62706E023703}">
+                      <ahyp:hlinkClr xmlns:ahyp="http://schemas.microsoft.com/office/drawing/2018/hyperlinkcolor" val="tx"/>
+                    </a:ext>
+                  </a:extLst>
+                </a:hlinkClick>
+              </a:rPr>
+              <a:t> https://www.youtube.com/watch?v=2Qu4LCvB4bs&amp;t=456s</a:t>
+            </a:r>
+            <a:endParaRPr lang="en-IN" b="0" i="0" dirty="0">
+              <a:effectLst/>
+              <a:latin typeface="-apple-system"/>
+            </a:endParaRPr>
+          </a:p>
+          <a:p>
+            <a:pPr algn="l">
+              <a:buFont typeface="Arial" panose="020B0604020202020204" pitchFamily="34" charset="0"/>
+              <a:buChar char="•"/>
+            </a:pPr>
+            <a:r>
+              <a:rPr lang="en-IN" b="0" i="0" u="none" strike="noStrike" dirty="0">
+                <a:effectLst/>
+                <a:latin typeface="-apple-system"/>
+                <a:hlinkClick r:id="rId4">
+                  <a:extLst>
+                    <a:ext uri="{A12FA001-AC4F-418D-AE19-62706E023703}">
+                      <ahyp:hlinkClr xmlns:ahyp="http://schemas.microsoft.com/office/drawing/2018/hyperlinkcolor" val="tx"/>
+                    </a:ext>
+                  </a:extLst>
+                </a:hlinkClick>
+              </a:rPr>
+              <a:t> https://github.com/RasaHQ/rasa-3.x-form-examples</a:t>
+            </a:r>
+            <a:endParaRPr lang="en-IN" b="0" i="0" dirty="0">
+              <a:effectLst/>
+              <a:latin typeface="-apple-system"/>
+            </a:endParaRPr>
+          </a:p>
+          <a:p>
+            <a:pPr algn="l">
+              <a:buFont typeface="Arial" panose="020B0604020202020204" pitchFamily="34" charset="0"/>
+              <a:buChar char="•"/>
+            </a:pPr>
+            <a:r>
+              <a:rPr lang="en-IN" b="0" i="0" u="none" strike="noStrike" dirty="0">
+                <a:effectLst/>
+                <a:latin typeface="-apple-system"/>
+                <a:hlinkClick r:id="rId5">
+                  <a:extLst>
+                    <a:ext uri="{A12FA001-AC4F-418D-AE19-62706E023703}">
+                      <ahyp:hlinkClr xmlns:ahyp="http://schemas.microsoft.com/office/drawing/2018/hyperlinkcolor" val="tx"/>
+                    </a:ext>
+                  </a:extLst>
+                </a:hlinkClick>
+              </a:rPr>
+              <a:t> https://www.youtube.com/watch?v=VcbfcsjBBIg&amp;t=630s</a:t>
+            </a:r>
+            <a:endParaRPr lang="en-IN" b="0" i="0" dirty="0">
+              <a:effectLst/>
+              <a:latin typeface="-apple-system"/>
+            </a:endParaRPr>
+          </a:p>
+          <a:p>
+            <a:pPr algn="l">
+              <a:buFont typeface="Arial" panose="020B0604020202020204" pitchFamily="34" charset="0"/>
+              <a:buChar char="•"/>
+            </a:pPr>
+            <a:r>
+              <a:rPr lang="en-IN" b="0" i="0" u="none" strike="noStrike" dirty="0">
+                <a:effectLst/>
+                <a:latin typeface="-apple-system"/>
+                <a:hlinkClick r:id="rId6">
+                  <a:extLst>
+                    <a:ext uri="{A12FA001-AC4F-418D-AE19-62706E023703}">
+                      <ahyp:hlinkClr xmlns:ahyp="http://schemas.microsoft.com/office/drawing/2018/hyperlinkcolor" val="tx"/>
+                    </a:ext>
+                  </a:extLst>
+                </a:hlinkClick>
+              </a:rPr>
+              <a:t> https://www.youtube.com/watch?v=hIWnpyTWsLQ&amp;t=1096s</a:t>
+            </a:r>
+            <a:endParaRPr lang="en-IN" b="0" i="0" dirty="0">
+              <a:effectLst/>
+              <a:latin typeface="-apple-system"/>
+            </a:endParaRPr>
+          </a:p>
+          <a:p>
+            <a:pPr algn="l">
+              <a:buFont typeface="Arial" panose="020B0604020202020204" pitchFamily="34" charset="0"/>
+              <a:buChar char="•"/>
+            </a:pPr>
+            <a:r>
+              <a:rPr lang="en-IN" b="0" i="0" u="none" strike="noStrike" dirty="0">
+                <a:effectLst/>
+                <a:latin typeface="-apple-system"/>
+                <a:hlinkClick r:id="rId7">
+                  <a:extLst>
+                    <a:ext uri="{A12FA001-AC4F-418D-AE19-62706E023703}">
+                      <ahyp:hlinkClr xmlns:ahyp="http://schemas.microsoft.com/office/drawing/2018/hyperlinkcolor" val="tx"/>
+                    </a:ext>
+                  </a:extLst>
+                </a:hlinkClick>
+              </a:rPr>
+              <a:t> https://www.youtube.com/watch?v=Ds8cB3LZwfU&amp;t=799s</a:t>
+            </a:r>
+            <a:r>
+              <a:rPr lang="en-IN" b="0" i="0" u="none" strike="noStrike" dirty="0">
+                <a:effectLst/>
+                <a:latin typeface="-apple-system"/>
+              </a:rPr>
+              <a:t> </a:t>
+            </a:r>
+            <a:endParaRPr lang="en-IN" b="0" i="0" dirty="0">
+              <a:effectLst/>
+              <a:latin typeface="-apple-system"/>
+            </a:endParaRPr>
+          </a:p>
+          <a:p>
+            <a:pPr algn="l">
+              <a:buFont typeface="Arial" panose="020B0604020202020204" pitchFamily="34" charset="0"/>
+              <a:buChar char="•"/>
+            </a:pPr>
+            <a:r>
+              <a:rPr lang="en-IN" b="0" i="0" strike="noStrike" dirty="0">
+                <a:effectLst/>
+                <a:latin typeface="-apple-system"/>
+                <a:hlinkClick r:id="rId8">
+                  <a:extLst>
+                    <a:ext uri="{A12FA001-AC4F-418D-AE19-62706E023703}">
+                      <ahyp:hlinkClr xmlns:ahyp="http://schemas.microsoft.com/office/drawing/2018/hyperlinkcolor" val="tx"/>
+                    </a:ext>
+                  </a:extLst>
+                </a:hlinkClick>
+              </a:rPr>
+              <a:t> </a:t>
+            </a:r>
+            <a:r>
+              <a:rPr lang="en-IN" b="0" i="0" u="none" strike="noStrike" dirty="0">
+                <a:effectLst/>
+                <a:latin typeface="-apple-system"/>
+                <a:hlinkClick r:id="rId8">
+                  <a:extLst>
+                    <a:ext uri="{A12FA001-AC4F-418D-AE19-62706E023703}">
+                      <ahyp:hlinkClr xmlns:ahyp="http://schemas.microsoft.com/office/drawing/2018/hyperlinkcolor" val="tx"/>
+                    </a:ext>
+                  </a:extLst>
+                </a:hlinkClick>
+              </a:rPr>
+              <a:t>https://rasa.com/</a:t>
+            </a:r>
+            <a:endParaRPr lang="en-IN" b="0" i="0" dirty="0">
+              <a:effectLst/>
+              <a:latin typeface="-apple-system"/>
+            </a:endParaRPr>
+          </a:p>
+          <a:p>
+            <a:pPr algn="l">
+              <a:buFont typeface="Arial" panose="020B0604020202020204" pitchFamily="34" charset="0"/>
+              <a:buChar char="•"/>
+            </a:pPr>
+            <a:r>
+              <a:rPr lang="en-IN" b="0" i="0" u="none" strike="noStrike" dirty="0">
+                <a:effectLst/>
+                <a:latin typeface="-apple-system"/>
+                <a:hlinkClick r:id="rId9">
+                  <a:extLst>
+                    <a:ext uri="{A12FA001-AC4F-418D-AE19-62706E023703}">
+                      <ahyp:hlinkClr xmlns:ahyp="http://schemas.microsoft.com/office/drawing/2018/hyperlinkcolor" val="tx"/>
+                    </a:ext>
+                  </a:extLst>
+                </a:hlinkClick>
+              </a:rPr>
+              <a:t> https://github.com/RasaHQ/rasa-2.x-form-examples</a:t>
+            </a:r>
+            <a:endParaRPr lang="en-IN" b="0" i="0" dirty="0">
+              <a:effectLst/>
+              <a:latin typeface="-apple-system"/>
+            </a:endParaRPr>
+          </a:p>
+          <a:p>
+            <a:endParaRPr lang="en-IN" dirty="0"/>
+          </a:p>
+        </p:txBody>
+      </p:sp>
+    </p:spTree>
+    <p:extLst>
+      <p:ext uri="{BB962C8B-B14F-4D97-AF65-F5344CB8AC3E}">
+        <p14:creationId xmlns:p14="http://schemas.microsoft.com/office/powerpoint/2010/main" val="1388982160"/>
+      </p:ext>
+    </p:extLst>
+  </p:cSld>
+  <p:clrMapOvr>
+    <a:masterClrMapping/>
+  </p:clrMapOvr>
+</p:sld>
+</file>
+
+<file path=ppt/slides/slide14.xml><?xml version="1.0" encoding="utf-8"?>
+<p:sld xmlns:a="http://schemas.openxmlformats.org/drawingml/2006/main" xmlns:r="http://schemas.openxmlformats.org/officeDocument/2006/relationships" xmlns:p="http://schemas.openxmlformats.org/presentationml/2006/main">
+  <p:cSld>
+    <p:spTree>
+      <p:nvGrpSpPr>
+        <p:cNvPr id="1" name=""/>
+        <p:cNvGrpSpPr/>
+        <p:nvPr/>
+      </p:nvGrpSpPr>
+      <p:grpSpPr>
+        <a:xfrm>
+          <a:off x="0" y="0"/>
+          <a:ext cx="0" cy="0"/>
+          <a:chOff x="0" y="0"/>
+          <a:chExt cx="0" cy="0"/>
+        </a:xfrm>
+      </p:grpSpPr>
+      <p:sp>
+        <p:nvSpPr>
+          <p:cNvPr id="2" name="Title 1">
+            <a:extLst>
+              <a:ext uri="{FF2B5EF4-FFF2-40B4-BE49-F238E27FC236}">
+                <a16:creationId xmlns:a16="http://schemas.microsoft.com/office/drawing/2014/main" id="{567CDB01-C56A-5779-4E3A-F4E393B9A7C7}"/>
+              </a:ext>
+            </a:extLst>
+          </p:cNvPr>
+          <p:cNvSpPr>
+            <a:spLocks noGrp="1"/>
+          </p:cNvSpPr>
+          <p:nvPr>
+            <p:ph type="title"/>
+          </p:nvPr>
+        </p:nvSpPr>
+        <p:spPr>
+          <a:xfrm>
+            <a:off x="3886200" y="2552802"/>
+            <a:ext cx="4063482" cy="1468800"/>
+          </a:xfrm>
+        </p:spPr>
+        <p:txBody>
+          <a:bodyPr>
+            <a:noAutofit/>
+          </a:bodyPr>
+          <a:lstStyle/>
+          <a:p>
+            <a:r>
+              <a:rPr lang="en-US" sz="5400" dirty="0"/>
+              <a:t>Thank you</a:t>
+            </a:r>
+            <a:endParaRPr lang="en-IN" sz="5400" dirty="0"/>
+          </a:p>
+        </p:txBody>
+      </p:sp>
+    </p:spTree>
+    <p:extLst>
+      <p:ext uri="{BB962C8B-B14F-4D97-AF65-F5344CB8AC3E}">
+        <p14:creationId xmlns:p14="http://schemas.microsoft.com/office/powerpoint/2010/main" val="3568443788"/>
+      </p:ext>
+    </p:extLst>
+  </p:cSld>
+  <p:clrMapOvr>
+    <a:masterClrMapping/>
+  </p:clrMapOvr>
+</p:sld>
+</file>
+
+<file path=ppt/slides/slide2.xml><?xml version="1.0" encoding="utf-8"?>
+<p:sld xmlns:a="http://schemas.openxmlformats.org/drawingml/2006/main" xmlns:r="http://schemas.openxmlformats.org/officeDocument/2006/relationships" xmlns:p="http://schemas.openxmlformats.org/presentationml/2006/main">
+  <p:cSld>
+    <p:bg>
+      <p:bgPr>
+        <a:blipFill>
+          <a:blip r:embed="rId2"/>
+          <a:stretch/>
+        </a:blipFill>
+        <a:effectLst/>
+      </p:bgPr>
+    </p:bg>
+    <p:spTree>
+      <p:nvGrpSpPr>
+        <p:cNvPr id="1" name=""/>
+        <p:cNvGrpSpPr/>
+        <p:nvPr/>
+      </p:nvGrpSpPr>
+      <p:grpSpPr>
+        <a:xfrm>
+          <a:off x="0" y="0"/>
+          <a:ext cx="0" cy="0"/>
+          <a:chOff x="0" y="0"/>
+          <a:chExt cx="0" cy="0"/>
+        </a:xfrm>
+      </p:grpSpPr>
+      <p:pic>
+        <p:nvPicPr>
+          <p:cNvPr id="16" name="Picture 15">
+            <a:extLst>
+              <a:ext uri="{FF2B5EF4-FFF2-40B4-BE49-F238E27FC236}">
+                <a16:creationId xmlns:a16="http://schemas.microsoft.com/office/drawing/2014/main" id="{F3812132-56AD-436D-A522-B55990A6A8E0}"/>
+              </a:ext>
+              <a:ext uri="{C183D7F6-B498-43B3-948B-1728B52AA6E4}">
+                <adec:decorative xmlns:adec="http://schemas.microsoft.com/office/drawing/2017/decorative" val="1"/>
+              </a:ext>
+            </a:extLst>
+          </p:cNvPr>
+          <p:cNvPicPr>
+            <a:picLocks noGrp="1" noRot="1" noChangeAspect="1" noMove="1" noResize="1" noEditPoints="1" noAdjustHandles="1" noChangeArrowheads="1" noChangeShapeType="1" noCrop="1"/>
+          </p:cNvPicPr>
+          <p:nvPr>
+            <p:extLst>
+              <p:ext uri="{386F3935-93C4-4BCD-93E2-E3B085C9AB24}">
+                <p16:designElem xmlns:p16="http://schemas.microsoft.com/office/powerpoint/2015/main" val="1"/>
+              </p:ext>
+            </p:extLst>
+          </p:nvPr>
+        </p:nvPicPr>
+        <p:blipFill>
+          <a:blip r:embed="rId3">
+            <a:extLst>
+              <a:ext uri="{28A0092B-C50C-407E-A947-70E740481C1C}">
+                <a14:useLocalDpi xmlns:a14="http://schemas.microsoft.com/office/drawing/2010/main" val="0"/>
+              </a:ext>
+            </a:extLst>
+          </a:blip>
+          <a:stretch>
+            <a:fillRect/>
+          </a:stretch>
+        </p:blipFill>
+        <p:spPr>
+          <a:xfrm>
+            <a:off x="0" y="0"/>
+            <a:ext cx="12188825" cy="6856214"/>
+          </a:xfrm>
+          <a:prstGeom prst="rect">
+            <a:avLst/>
+          </a:prstGeom>
+        </p:spPr>
+      </p:pic>
+      <p:sp>
+        <p:nvSpPr>
+          <p:cNvPr id="10" name="Title 9">
+            <a:extLst>
+              <a:ext uri="{FF2B5EF4-FFF2-40B4-BE49-F238E27FC236}">
+                <a16:creationId xmlns:a16="http://schemas.microsoft.com/office/drawing/2014/main" id="{B465BBEF-739C-0C12-C54E-D8273854239B}"/>
+              </a:ext>
+            </a:extLst>
+          </p:cNvPr>
+          <p:cNvSpPr>
+            <a:spLocks noGrp="1"/>
+          </p:cNvSpPr>
+          <p:nvPr>
+            <p:ph type="title"/>
+          </p:nvPr>
+        </p:nvSpPr>
+        <p:spPr>
+          <a:xfrm>
+            <a:off x="961053" y="639097"/>
+            <a:ext cx="3959254" cy="1532603"/>
+          </a:xfrm>
+        </p:spPr>
+        <p:txBody>
+          <a:bodyPr vert="horz" lIns="91440" tIns="45720" rIns="91440" bIns="45720" rtlCol="0" anchor="b">
+            <a:normAutofit/>
+          </a:bodyPr>
+          <a:lstStyle/>
+          <a:p>
+            <a:pPr algn="r"/>
+            <a:r>
+              <a:rPr lang="en-US" sz="4800" dirty="0"/>
+              <a:t>MOTIVATION</a:t>
+            </a:r>
+          </a:p>
+        </p:txBody>
+      </p:sp>
+      <p:sp>
+        <p:nvSpPr>
+          <p:cNvPr id="11" name="Text Placeholder 10">
+            <a:extLst>
+              <a:ext uri="{FF2B5EF4-FFF2-40B4-BE49-F238E27FC236}">
+                <a16:creationId xmlns:a16="http://schemas.microsoft.com/office/drawing/2014/main" id="{68E07FBC-9CAE-58B9-9510-635005F50824}"/>
+              </a:ext>
+            </a:extLst>
+          </p:cNvPr>
+          <p:cNvSpPr>
+            <a:spLocks noGrp="1"/>
+          </p:cNvSpPr>
+          <p:nvPr>
+            <p:ph type="body" idx="1"/>
+          </p:nvPr>
+        </p:nvSpPr>
+        <p:spPr>
+          <a:xfrm>
+            <a:off x="729189" y="2171700"/>
+            <a:ext cx="4813437" cy="1838087"/>
+          </a:xfrm>
+        </p:spPr>
+        <p:txBody>
+          <a:bodyPr vert="horz" lIns="91440" tIns="45720" rIns="91440" bIns="45720" rtlCol="0" anchor="t">
+            <a:normAutofit/>
+          </a:bodyPr>
+          <a:lstStyle/>
+          <a:p>
+            <a:pPr algn="ctr">
+              <a:lnSpc>
+                <a:spcPct val="90000"/>
+              </a:lnSpc>
+            </a:pPr>
+            <a:r>
+              <a:rPr lang="en-US" sz="1800" dirty="0"/>
               <a:t>We spend lot of time using social media and potentially waste our time. Even though we might have to search something important we tend to get deviated. So, this chatbot will send results of only the things you wanted to search and not waste much time.</a:t>
             </a:r>
-            <a:endParaRPr lang="en-IN" sz="2400" dirty="0"/>
-          </a:p>
-        </p:txBody>
-      </p:sp>
+          </a:p>
+        </p:txBody>
+      </p:sp>
+      <p:pic>
+        <p:nvPicPr>
+          <p:cNvPr id="2" name="Picture 1">
+            <a:extLst>
+              <a:ext uri="{FF2B5EF4-FFF2-40B4-BE49-F238E27FC236}">
+                <a16:creationId xmlns:a16="http://schemas.microsoft.com/office/drawing/2014/main" id="{1F08256E-E2C2-230D-374F-226E6890055D}"/>
+              </a:ext>
+            </a:extLst>
+          </p:cNvPr>
+          <p:cNvPicPr>
+            <a:picLocks noChangeAspect="1"/>
+          </p:cNvPicPr>
+          <p:nvPr/>
+        </p:nvPicPr>
+        <p:blipFill>
+          <a:blip r:embed="rId4"/>
+          <a:stretch>
+            <a:fillRect/>
+          </a:stretch>
+        </p:blipFill>
+        <p:spPr>
+          <a:xfrm>
+            <a:off x="6076606" y="690853"/>
+            <a:ext cx="5471927" cy="5471927"/>
+          </a:xfrm>
+          <a:prstGeom prst="roundRect">
+            <a:avLst>
+              <a:gd name="adj" fmla="val 4380"/>
+            </a:avLst>
+          </a:prstGeom>
+          <a:ln w="50800" cap="sq" cmpd="dbl">
+            <a:gradFill flip="none" rotWithShape="1">
+              <a:gsLst>
+                <a:gs pos="0">
+                  <a:srgbClr val="FFFFFF"/>
+                </a:gs>
+                <a:gs pos="100000">
+                  <a:schemeClr val="tx1">
+                    <a:alpha val="0"/>
+                  </a:schemeClr>
+                </a:gs>
+              </a:gsLst>
+              <a:path path="circle">
+                <a:fillToRect l="50000" t="50000" r="50000" b="50000"/>
+              </a:path>
+              <a:tileRect/>
+            </a:gradFill>
+            <a:miter lim="800000"/>
+          </a:ln>
+          <a:effectLst>
+            <a:outerShdw blurRad="254000" algn="tl" rotWithShape="0">
+              <a:srgbClr val="000000">
+                <a:alpha val="43000"/>
+              </a:srgbClr>
+            </a:outerShdw>
+          </a:effectLst>
+        </p:spPr>
+      </p:pic>
     </p:spTree>
     <p:extLst>
       <p:ext uri="{BB962C8B-B14F-4D97-AF65-F5344CB8AC3E}">
@@ -6010,10 +7211,10 @@
       </p:grpSpPr>
       <p:sp>
         <p:nvSpPr>
-          <p:cNvPr id="10" name="Title 9">
+          <p:cNvPr id="2" name="Title 1">
             <a:extLst>
               <a:ext uri="{FF2B5EF4-FFF2-40B4-BE49-F238E27FC236}">
-                <a16:creationId xmlns:a16="http://schemas.microsoft.com/office/drawing/2014/main" id="{B465BBEF-739C-0C12-C54E-D8273854239B}"/>
+                <a16:creationId xmlns:a16="http://schemas.microsoft.com/office/drawing/2014/main" id="{09FECD49-C884-E441-5695-143B2C39AE72}"/>
               </a:ext>
             </a:extLst>
           </p:cNvPr>
@@ -6026,19 +7227,21 @@
         </p:nvSpPr>
         <p:spPr>
           <a:xfrm>
-            <a:off x="685800" y="270588"/>
-            <a:ext cx="10131427" cy="860400"/>
+            <a:off x="2234682" y="3000671"/>
+            <a:ext cx="7385179" cy="1468800"/>
           </a:xfrm>
         </p:spPr>
         <p:txBody>
           <a:bodyPr/>
           <a:lstStyle/>
           <a:p>
-            <a:pPr algn="ctr"/>
-            <a:r>
-              <a:rPr lang="en-US" dirty="0"/>
-              <a:t>Some outputs</a:t>
-            </a:r>
+            <a:r>
+              <a:rPr lang="en-IN" dirty="0"/>
+              <a:t>Conversation Flow EXAMPLES</a:t>
+            </a:r>
+            <a:br>
+              <a:rPr lang="en-IN" dirty="0"/>
+            </a:br>
             <a:endParaRPr lang="en-IN" dirty="0"/>
           </a:p>
         </p:txBody>
@@ -6046,7 +7249,7 @@
     </p:spTree>
     <p:extLst>
       <p:ext uri="{BB962C8B-B14F-4D97-AF65-F5344CB8AC3E}">
-        <p14:creationId xmlns:p14="http://schemas.microsoft.com/office/powerpoint/2010/main" val="2484021086"/>
+        <p14:creationId xmlns:p14="http://schemas.microsoft.com/office/powerpoint/2010/main" val="1523598312"/>
       </p:ext>
     </p:extLst>
   </p:cSld>
@@ -6059,6 +7262,15 @@
 <file path=ppt/slides/slide4.xml><?xml version="1.0" encoding="utf-8"?>
 <p:sld xmlns:a="http://schemas.openxmlformats.org/drawingml/2006/main" xmlns:r="http://schemas.openxmlformats.org/officeDocument/2006/relationships" xmlns:p="http://schemas.openxmlformats.org/presentationml/2006/main">
   <p:cSld>
+    <p:bg>
+      <p:bgPr>
+        <a:blipFill>
+          <a:blip r:embed="rId2"/>
+          <a:stretch/>
+        </a:blipFill>
+        <a:effectLst/>
+      </p:bgPr>
+    </p:bg>
     <p:spTree>
       <p:nvGrpSpPr>
         <p:cNvPr id="1" name=""/>
@@ -6073,6 +7285,51 @@
           <a:chExt cx="0" cy="0"/>
         </a:xfrm>
       </p:grpSpPr>
+      <p:pic>
+        <p:nvPicPr>
+          <p:cNvPr id="20" name="Picture 19">
+            <a:extLst>
+              <a:ext uri="{FF2B5EF4-FFF2-40B4-BE49-F238E27FC236}">
+                <a16:creationId xmlns:a16="http://schemas.microsoft.com/office/drawing/2014/main" id="{F3812132-56AD-436D-A522-B55990A6A8E0}"/>
+              </a:ext>
+              <a:ext uri="{C183D7F6-B498-43B3-948B-1728B52AA6E4}">
+                <adec:decorative xmlns:adec="http://schemas.microsoft.com/office/drawing/2017/decorative" val="1"/>
+              </a:ext>
+            </a:extLst>
+          </p:cNvPr>
+          <p:cNvPicPr>
+            <a:picLocks noGrp="1" noRot="1" noChangeAspect="1" noMove="1" noResize="1" noEditPoints="1" noAdjustHandles="1" noChangeArrowheads="1" noChangeShapeType="1" noCrop="1"/>
+          </p:cNvPicPr>
+          <p:nvPr>
+            <p:extLst>
+              <p:ext uri="{386F3935-93C4-4BCD-93E2-E3B085C9AB24}">
+                <p16:designElem xmlns:p16="http://schemas.microsoft.com/office/powerpoint/2015/main" val="1"/>
+              </p:ext>
+            </p:extLst>
+          </p:nvPr>
+        </p:nvPicPr>
+        <p:blipFill>
+          <a:blip r:embed="rId3">
+            <a:extLst>
+              <a:ext uri="{28A0092B-C50C-407E-A947-70E740481C1C}">
+                <a14:useLocalDpi xmlns:a14="http://schemas.microsoft.com/office/drawing/2010/main" val="0"/>
+              </a:ext>
+            </a:extLst>
+          </a:blip>
+          <a:stretch>
+            <a:fillRect/>
+          </a:stretch>
+        </p:blipFill>
+        <p:spPr>
+          <a:xfrm>
+            <a:off x="0" y="0"/>
+            <a:ext cx="12188825" cy="6856214"/>
+          </a:xfrm>
+          <a:prstGeom prst="rect">
+            <a:avLst/>
+          </a:prstGeom>
+        </p:spPr>
+      </p:pic>
       <p:sp>
         <p:nvSpPr>
           <p:cNvPr id="10" name="Title 9">
@@ -6091,414 +7348,86 @@
         </p:nvSpPr>
         <p:spPr>
           <a:xfrm>
-            <a:off x="685800" y="298580"/>
-            <a:ext cx="10131428" cy="832408"/>
-          </a:xfrm>
-        </p:spPr>
-        <p:txBody>
-          <a:bodyPr/>
+            <a:off x="643464" y="639097"/>
+            <a:ext cx="4789678" cy="3746634"/>
+          </a:xfrm>
+        </p:spPr>
+        <p:txBody>
+          <a:bodyPr vert="horz" lIns="91440" tIns="45720" rIns="91440" bIns="45720" rtlCol="0" anchor="b">
+            <a:normAutofit/>
+          </a:bodyPr>
           <a:lstStyle/>
           <a:p>
-            <a:pPr algn="ctr"/>
-            <a:r>
-              <a:rPr lang="en-US" dirty="0"/>
-              <a:t>Challenges faced</a:t>
-            </a:r>
-          </a:p>
-        </p:txBody>
-      </p:sp>
-      <p:sp>
-        <p:nvSpPr>
-          <p:cNvPr id="11" name="Text Placeholder 10">
+            <a:pPr algn="r"/>
+            <a:r>
+              <a:rPr lang="en-US" sz="4800" dirty="0"/>
+              <a:t>Single-Turn Conversations</a:t>
+            </a:r>
+          </a:p>
+        </p:txBody>
+      </p:sp>
+      <p:pic>
+        <p:nvPicPr>
+          <p:cNvPr id="3" name="Picture 2">
             <a:extLst>
               <a:ext uri="{FF2B5EF4-FFF2-40B4-BE49-F238E27FC236}">
-                <a16:creationId xmlns:a16="http://schemas.microsoft.com/office/drawing/2014/main" id="{68E07FBC-9CAE-58B9-9510-635005F50824}"/>
+                <a16:creationId xmlns:a16="http://schemas.microsoft.com/office/drawing/2014/main" id="{647CD365-AD4D-23DA-6F30-84EEDACB161C}"/>
               </a:ext>
             </a:extLst>
           </p:cNvPr>
-          <p:cNvSpPr>
-            <a:spLocks noGrp="1"/>
-          </p:cNvSpPr>
-          <p:nvPr>
-            <p:ph type="body" idx="1"/>
-          </p:nvPr>
-        </p:nvSpPr>
-        <p:spPr>
-          <a:xfrm>
-            <a:off x="1132923" y="1336095"/>
-            <a:ext cx="10131428" cy="2332653"/>
-          </a:xfrm>
-        </p:spPr>
-        <p:txBody>
-          <a:bodyPr>
-            <a:normAutofit/>
-          </a:bodyPr>
-          <a:lstStyle/>
-          <a:p>
-            <a:pPr algn="l">
-              <a:buFont typeface="Arial" panose="020B0604020202020204" pitchFamily="34" charset="0"/>
-              <a:buChar char="•"/>
-            </a:pPr>
-            <a:r>
-              <a:rPr lang="en-US" sz="2000" b="0" i="0" dirty="0">
-                <a:effectLst/>
-                <a:latin typeface="-apple-system"/>
-              </a:rPr>
-              <a:t> Trying to run actions for the first time was very difficult as I made mistakes in port number.</a:t>
-            </a:r>
-          </a:p>
-          <a:p>
-            <a:pPr algn="l">
-              <a:buFont typeface="Arial" panose="020B0604020202020204" pitchFamily="34" charset="0"/>
-              <a:buChar char="•"/>
-            </a:pPr>
-            <a:r>
-              <a:rPr lang="en-US" sz="2000" b="0" i="0" dirty="0">
-                <a:effectLst/>
-                <a:latin typeface="-apple-system"/>
-              </a:rPr>
-              <a:t> Adding the bot to slack for a Tedious process.</a:t>
-            </a:r>
-          </a:p>
-        </p:txBody>
-      </p:sp>
-      <p:sp>
-        <p:nvSpPr>
-          <p:cNvPr id="3" name="Text Placeholder 10">
-            <a:extLst>
-              <a:ext uri="{FF2B5EF4-FFF2-40B4-BE49-F238E27FC236}">
-                <a16:creationId xmlns:a16="http://schemas.microsoft.com/office/drawing/2014/main" id="{2567F087-9311-CB4F-87B1-49D81EE52AF7}"/>
-              </a:ext>
-            </a:extLst>
-          </p:cNvPr>
-          <p:cNvSpPr txBox="1">
-            <a:spLocks/>
-          </p:cNvSpPr>
+          <p:cNvPicPr>
+            <a:picLocks noChangeAspect="1"/>
+          </p:cNvPicPr>
           <p:nvPr/>
-        </p:nvSpPr>
-        <p:spPr>
-          <a:xfrm>
-            <a:off x="1132923" y="4217436"/>
-            <a:ext cx="10131428" cy="2332653"/>
-          </a:xfrm>
-          <a:prstGeom prst="rect">
-            <a:avLst/>
+        </p:nvPicPr>
+        <p:blipFill>
+          <a:blip r:embed="rId4"/>
+          <a:stretch>
+            <a:fillRect/>
+          </a:stretch>
+        </p:blipFill>
+        <p:spPr>
+          <a:xfrm>
+            <a:off x="5791200" y="342901"/>
+            <a:ext cx="5997349" cy="6067424"/>
+          </a:xfrm>
+          <a:prstGeom prst="roundRect">
+            <a:avLst>
+              <a:gd name="adj" fmla="val 4380"/>
+            </a:avLst>
           </a:prstGeom>
-        </p:spPr>
-        <p:txBody>
-          <a:bodyPr vert="horz" lIns="91440" tIns="45720" rIns="91440" bIns="45720" rtlCol="0" anchor="t">
-            <a:normAutofit/>
-          </a:bodyPr>
-          <a:lstStyle>
-            <a:lvl1pPr marL="0" indent="0" algn="l" defTabSz="457200" rtl="0" eaLnBrk="1" latinLnBrk="0" hangingPunct="1">
-              <a:spcBef>
-                <a:spcPts val="0"/>
-              </a:spcBef>
-              <a:spcAft>
-                <a:spcPts val="1000"/>
-              </a:spcAft>
-              <a:buClr>
-                <a:schemeClr val="tx1"/>
-              </a:buClr>
-              <a:buSzPct val="100000"/>
-              <a:buFont typeface="Arial"/>
-              <a:buNone/>
-              <a:defRPr sz="2000" kern="1200" cap="all">
-                <a:solidFill>
-                  <a:schemeClr val="tx1"/>
-                </a:solidFill>
-                <a:effectLst/>
-                <a:latin typeface="+mn-lt"/>
-                <a:ea typeface="+mn-ea"/>
-                <a:cs typeface="+mn-cs"/>
-              </a:defRPr>
-            </a:lvl1pPr>
-            <a:lvl2pPr marL="457200" indent="0" algn="l" defTabSz="457200" rtl="0" eaLnBrk="1" latinLnBrk="0" hangingPunct="1">
-              <a:spcBef>
-                <a:spcPts val="0"/>
-              </a:spcBef>
-              <a:spcAft>
-                <a:spcPts val="1000"/>
-              </a:spcAft>
-              <a:buClr>
-                <a:schemeClr val="tx1"/>
-              </a:buClr>
-              <a:buSzPct val="100000"/>
-              <a:buFont typeface="Arial"/>
-              <a:buNone/>
-              <a:defRPr sz="1800" kern="1200" cap="none">
-                <a:solidFill>
+          <a:ln w="50800" cap="sq" cmpd="dbl">
+            <a:gradFill flip="none" rotWithShape="1">
+              <a:gsLst>
+                <a:gs pos="0">
+                  <a:srgbClr val="FFFFFF"/>
+                </a:gs>
+                <a:gs pos="100000">
                   <a:schemeClr val="tx1">
-                    <a:tint val="75000"/>
+                    <a:alpha val="0"/>
                   </a:schemeClr>
-                </a:solidFill>
-                <a:effectLst/>
-                <a:latin typeface="+mn-lt"/>
-                <a:ea typeface="+mn-ea"/>
-                <a:cs typeface="+mn-cs"/>
-              </a:defRPr>
-            </a:lvl2pPr>
-            <a:lvl3pPr marL="914400" indent="0" algn="l" defTabSz="457200" rtl="0" eaLnBrk="1" latinLnBrk="0" hangingPunct="1">
-              <a:spcBef>
-                <a:spcPts val="0"/>
-              </a:spcBef>
-              <a:spcAft>
-                <a:spcPts val="1000"/>
-              </a:spcAft>
-              <a:buClr>
-                <a:schemeClr val="tx1"/>
-              </a:buClr>
-              <a:buSzPct val="100000"/>
-              <a:buFont typeface="Arial"/>
-              <a:buNone/>
-              <a:defRPr sz="1600" kern="1200" cap="none">
-                <a:solidFill>
-                  <a:schemeClr val="tx1">
-                    <a:tint val="75000"/>
-                  </a:schemeClr>
-                </a:solidFill>
-                <a:effectLst/>
-                <a:latin typeface="+mn-lt"/>
-                <a:ea typeface="+mn-ea"/>
-                <a:cs typeface="+mn-cs"/>
-              </a:defRPr>
-            </a:lvl3pPr>
-            <a:lvl4pPr marL="1371600" indent="0" algn="l" defTabSz="457200" rtl="0" eaLnBrk="1" latinLnBrk="0" hangingPunct="1">
-              <a:spcBef>
-                <a:spcPts val="0"/>
-              </a:spcBef>
-              <a:spcAft>
-                <a:spcPts val="1000"/>
-              </a:spcAft>
-              <a:buClr>
-                <a:schemeClr val="tx1"/>
-              </a:buClr>
-              <a:buSzPct val="100000"/>
-              <a:buFont typeface="Arial"/>
-              <a:buNone/>
-              <a:defRPr sz="1400" kern="1200" cap="none">
-                <a:solidFill>
-                  <a:schemeClr val="tx1">
-                    <a:tint val="75000"/>
-                  </a:schemeClr>
-                </a:solidFill>
-                <a:effectLst/>
-                <a:latin typeface="+mn-lt"/>
-                <a:ea typeface="+mn-ea"/>
-                <a:cs typeface="+mn-cs"/>
-              </a:defRPr>
-            </a:lvl4pPr>
-            <a:lvl5pPr marL="1828800" indent="0" algn="l" defTabSz="457200" rtl="0" eaLnBrk="1" latinLnBrk="0" hangingPunct="1">
-              <a:spcBef>
-                <a:spcPts val="0"/>
-              </a:spcBef>
-              <a:spcAft>
-                <a:spcPts val="1000"/>
-              </a:spcAft>
-              <a:buClr>
-                <a:schemeClr val="tx1"/>
-              </a:buClr>
-              <a:buSzPct val="100000"/>
-              <a:buFont typeface="Arial"/>
-              <a:buNone/>
-              <a:defRPr sz="1400" kern="1200" cap="none">
-                <a:solidFill>
-                  <a:schemeClr val="tx1">
-                    <a:tint val="75000"/>
-                  </a:schemeClr>
-                </a:solidFill>
-                <a:effectLst/>
-                <a:latin typeface="+mn-lt"/>
-                <a:ea typeface="+mn-ea"/>
-                <a:cs typeface="+mn-cs"/>
-              </a:defRPr>
-            </a:lvl5pPr>
-            <a:lvl6pPr marL="2286000" indent="0" algn="l" defTabSz="457200" rtl="0" eaLnBrk="1" latinLnBrk="0" hangingPunct="1">
-              <a:spcBef>
-                <a:spcPts val="0"/>
-              </a:spcBef>
-              <a:spcAft>
-                <a:spcPts val="1000"/>
-              </a:spcAft>
-              <a:buClr>
-                <a:schemeClr val="tx1"/>
-              </a:buClr>
-              <a:buSzPct val="100000"/>
-              <a:buFont typeface="Arial"/>
-              <a:buNone/>
-              <a:defRPr sz="1400" kern="1200" cap="none">
-                <a:solidFill>
-                  <a:schemeClr val="tx1">
-                    <a:tint val="75000"/>
-                  </a:schemeClr>
-                </a:solidFill>
-                <a:effectLst/>
-                <a:latin typeface="+mn-lt"/>
-                <a:ea typeface="+mn-ea"/>
-                <a:cs typeface="+mn-cs"/>
-              </a:defRPr>
-            </a:lvl6pPr>
-            <a:lvl7pPr marL="2743200" indent="0" algn="l" defTabSz="457200" rtl="0" eaLnBrk="1" latinLnBrk="0" hangingPunct="1">
-              <a:spcBef>
-                <a:spcPts val="0"/>
-              </a:spcBef>
-              <a:spcAft>
-                <a:spcPts val="1000"/>
-              </a:spcAft>
-              <a:buClr>
-                <a:schemeClr val="tx1"/>
-              </a:buClr>
-              <a:buSzPct val="100000"/>
-              <a:buFont typeface="Arial"/>
-              <a:buNone/>
-              <a:defRPr sz="1400" kern="1200" cap="none">
-                <a:solidFill>
-                  <a:schemeClr val="tx1">
-                    <a:tint val="75000"/>
-                  </a:schemeClr>
-                </a:solidFill>
-                <a:effectLst/>
-                <a:latin typeface="+mn-lt"/>
-                <a:ea typeface="+mn-ea"/>
-                <a:cs typeface="+mn-cs"/>
-              </a:defRPr>
-            </a:lvl7pPr>
-            <a:lvl8pPr marL="3200400" indent="0" algn="l" defTabSz="457200" rtl="0" eaLnBrk="1" latinLnBrk="0" hangingPunct="1">
-              <a:spcBef>
-                <a:spcPts val="0"/>
-              </a:spcBef>
-              <a:spcAft>
-                <a:spcPts val="1000"/>
-              </a:spcAft>
-              <a:buClr>
-                <a:schemeClr val="tx1"/>
-              </a:buClr>
-              <a:buSzPct val="100000"/>
-              <a:buFont typeface="Arial"/>
-              <a:buNone/>
-              <a:defRPr sz="1400" kern="1200" cap="none">
-                <a:solidFill>
-                  <a:schemeClr val="tx1">
-                    <a:tint val="75000"/>
-                  </a:schemeClr>
-                </a:solidFill>
-                <a:effectLst/>
-                <a:latin typeface="+mn-lt"/>
-                <a:ea typeface="+mn-ea"/>
-                <a:cs typeface="+mn-cs"/>
-              </a:defRPr>
-            </a:lvl8pPr>
-            <a:lvl9pPr marL="3657600" indent="0" algn="l" defTabSz="457200" rtl="0" eaLnBrk="1" latinLnBrk="0" hangingPunct="1">
-              <a:spcBef>
-                <a:spcPts val="0"/>
-              </a:spcBef>
-              <a:spcAft>
-                <a:spcPts val="1000"/>
-              </a:spcAft>
-              <a:buClr>
-                <a:schemeClr val="tx1"/>
-              </a:buClr>
-              <a:buSzPct val="100000"/>
-              <a:buFont typeface="Arial"/>
-              <a:buNone/>
-              <a:defRPr sz="1400" kern="1200" cap="none">
-                <a:solidFill>
-                  <a:schemeClr val="tx1">
-                    <a:tint val="75000"/>
-                  </a:schemeClr>
-                </a:solidFill>
-                <a:effectLst/>
-                <a:latin typeface="+mn-lt"/>
-                <a:ea typeface="+mn-ea"/>
-                <a:cs typeface="+mn-cs"/>
-              </a:defRPr>
-            </a:lvl9pPr>
-          </a:lstStyle>
-          <a:p>
-            <a:pPr algn="l">
-              <a:buFont typeface="Arial" panose="020B0604020202020204" pitchFamily="34" charset="0"/>
-              <a:buChar char="•"/>
-            </a:pPr>
-            <a:r>
-              <a:rPr lang="en-US" b="0" i="0" dirty="0">
-                <a:effectLst/>
-                <a:latin typeface="-apple-system"/>
-              </a:rPr>
-              <a:t> Make it more generic</a:t>
-            </a:r>
-          </a:p>
-          <a:p>
-            <a:pPr algn="l">
-              <a:buFont typeface="Arial" panose="020B0604020202020204" pitchFamily="34" charset="0"/>
-              <a:buChar char="•"/>
-            </a:pPr>
-            <a:r>
-              <a:rPr lang="en-US" b="0" i="0" dirty="0">
-                <a:effectLst/>
-                <a:latin typeface="-apple-system"/>
-              </a:rPr>
-              <a:t> Add more social media platforms</a:t>
-            </a:r>
-          </a:p>
-          <a:p>
-            <a:pPr algn="l">
-              <a:buFont typeface="Arial" panose="020B0604020202020204" pitchFamily="34" charset="0"/>
-              <a:buChar char="•"/>
-            </a:pPr>
-            <a:r>
-              <a:rPr lang="en-US" dirty="0">
-                <a:latin typeface="-apple-system"/>
-              </a:rPr>
-              <a:t> Add Translations to other languages</a:t>
-            </a:r>
-            <a:endParaRPr lang="en-US" b="0" i="0" dirty="0">
-              <a:effectLst/>
-              <a:latin typeface="-apple-system"/>
-            </a:endParaRPr>
-          </a:p>
-        </p:txBody>
-      </p:sp>
-      <p:sp>
-        <p:nvSpPr>
-          <p:cNvPr id="5" name="TextBox 4">
-            <a:extLst>
-              <a:ext uri="{FF2B5EF4-FFF2-40B4-BE49-F238E27FC236}">
-                <a16:creationId xmlns:a16="http://schemas.microsoft.com/office/drawing/2014/main" id="{8252C873-0CF6-67A3-BBBC-F266DFBC465C}"/>
-              </a:ext>
-            </a:extLst>
-          </p:cNvPr>
-          <p:cNvSpPr txBox="1"/>
-          <p:nvPr/>
-        </p:nvSpPr>
-        <p:spPr>
-          <a:xfrm>
-            <a:off x="2702737" y="3314805"/>
-            <a:ext cx="6097554" cy="707886"/>
-          </a:xfrm>
-          <a:prstGeom prst="rect">
-            <a:avLst/>
-          </a:prstGeom>
-          <a:noFill/>
-        </p:spPr>
-        <p:txBody>
-          <a:bodyPr wrap="square">
-            <a:spAutoFit/>
-          </a:bodyPr>
-          <a:lstStyle/>
-          <a:p>
-            <a:pPr lvl="1"/>
-            <a:r>
-              <a:rPr lang="en-US" sz="4000" dirty="0"/>
-              <a:t>FUTURE IMPROVEMENTS</a:t>
-            </a:r>
-            <a:endParaRPr lang="en-IN" sz="4000" dirty="0"/>
-          </a:p>
-        </p:txBody>
-      </p:sp>
+                </a:gs>
+              </a:gsLst>
+              <a:path path="circle">
+                <a:fillToRect l="50000" t="50000" r="50000" b="50000"/>
+              </a:path>
+              <a:tileRect/>
+            </a:gradFill>
+            <a:miter lim="800000"/>
+          </a:ln>
+          <a:effectLst>
+            <a:outerShdw blurRad="254000" algn="tl" rotWithShape="0">
+              <a:srgbClr val="000000">
+                <a:alpha val="43000"/>
+              </a:srgbClr>
+            </a:outerShdw>
+          </a:effectLst>
+        </p:spPr>
+      </p:pic>
     </p:spTree>
     <p:extLst>
       <p:ext uri="{BB962C8B-B14F-4D97-AF65-F5344CB8AC3E}">
-        <p14:creationId xmlns:p14="http://schemas.microsoft.com/office/powerpoint/2010/main" val="742046810"/>
+        <p14:creationId xmlns:p14="http://schemas.microsoft.com/office/powerpoint/2010/main" val="2484021086"/>
       </p:ext>
     </p:extLst>
   </p:cSld>
@@ -6511,6 +7440,15 @@
 <file path=ppt/slides/slide5.xml><?xml version="1.0" encoding="utf-8"?>
 <p:sld xmlns:a="http://schemas.openxmlformats.org/drawingml/2006/main" xmlns:r="http://schemas.openxmlformats.org/officeDocument/2006/relationships" xmlns:p="http://schemas.openxmlformats.org/presentationml/2006/main">
   <p:cSld>
+    <p:bg>
+      <p:bgPr>
+        <a:blipFill>
+          <a:blip r:embed="rId2"/>
+          <a:stretch/>
+        </a:blipFill>
+        <a:effectLst/>
+      </p:bgPr>
+    </p:bg>
     <p:spTree>
       <p:nvGrpSpPr>
         <p:cNvPr id="1" name=""/>
@@ -6525,12 +7463,57 @@
           <a:chExt cx="0" cy="0"/>
         </a:xfrm>
       </p:grpSpPr>
+      <p:pic>
+        <p:nvPicPr>
+          <p:cNvPr id="21" name="Picture 20">
+            <a:extLst>
+              <a:ext uri="{FF2B5EF4-FFF2-40B4-BE49-F238E27FC236}">
+                <a16:creationId xmlns:a16="http://schemas.microsoft.com/office/drawing/2014/main" id="{302549BA-4EBA-46D6-AA90-3D948F7C12E6}"/>
+              </a:ext>
+              <a:ext uri="{C183D7F6-B498-43B3-948B-1728B52AA6E4}">
+                <adec:decorative xmlns:adec="http://schemas.microsoft.com/office/drawing/2017/decorative" val="1"/>
+              </a:ext>
+            </a:extLst>
+          </p:cNvPr>
+          <p:cNvPicPr>
+            <a:picLocks noGrp="1" noRot="1" noChangeAspect="1" noMove="1" noResize="1" noEditPoints="1" noAdjustHandles="1" noChangeArrowheads="1" noChangeShapeType="1" noCrop="1"/>
+          </p:cNvPicPr>
+          <p:nvPr>
+            <p:extLst>
+              <p:ext uri="{386F3935-93C4-4BCD-93E2-E3B085C9AB24}">
+                <p16:designElem xmlns:p16="http://schemas.microsoft.com/office/powerpoint/2015/main" val="1"/>
+              </p:ext>
+            </p:extLst>
+          </p:nvPr>
+        </p:nvPicPr>
+        <p:blipFill>
+          <a:blip r:embed="rId3">
+            <a:extLst>
+              <a:ext uri="{28A0092B-C50C-407E-A947-70E740481C1C}">
+                <a14:useLocalDpi xmlns:a14="http://schemas.microsoft.com/office/drawing/2010/main" val="0"/>
+              </a:ext>
+            </a:extLst>
+          </a:blip>
+          <a:stretch>
+            <a:fillRect/>
+          </a:stretch>
+        </p:blipFill>
+        <p:spPr>
+          <a:xfrm>
+            <a:off x="0" y="0"/>
+            <a:ext cx="12188825" cy="6856214"/>
+          </a:xfrm>
+          <a:prstGeom prst="rect">
+            <a:avLst/>
+          </a:prstGeom>
+        </p:spPr>
+      </p:pic>
       <p:sp>
         <p:nvSpPr>
           <p:cNvPr id="2" name="Title 1">
             <a:extLst>
               <a:ext uri="{FF2B5EF4-FFF2-40B4-BE49-F238E27FC236}">
-                <a16:creationId xmlns:a16="http://schemas.microsoft.com/office/drawing/2014/main" id="{ECF4E167-B8FC-939A-82C8-F08C2BB12E85}"/>
+                <a16:creationId xmlns:a16="http://schemas.microsoft.com/office/drawing/2014/main" id="{18851C8A-7A4B-A309-008A-90146FE6720D}"/>
               </a:ext>
             </a:extLst>
           </p:cNvPr>
@@ -6543,285 +7526,144 @@
         </p:nvSpPr>
         <p:spPr>
           <a:xfrm>
-            <a:off x="4100806" y="96652"/>
-            <a:ext cx="3503644" cy="1123567"/>
-          </a:xfrm>
-        </p:spPr>
-        <p:txBody>
-          <a:bodyPr/>
+            <a:off x="2500603" y="495383"/>
+            <a:ext cx="7133093" cy="931340"/>
+          </a:xfrm>
+        </p:spPr>
+        <p:txBody>
+          <a:bodyPr vert="horz" lIns="91440" tIns="45720" rIns="91440" bIns="45720" rtlCol="0" anchor="b">
+            <a:normAutofit/>
+          </a:bodyPr>
           <a:lstStyle/>
           <a:p>
+            <a:pPr algn="r"/>
             <a:r>
               <a:rPr lang="en-US" dirty="0"/>
-              <a:t>References</a:t>
-            </a:r>
-            <a:endParaRPr lang="en-IN" dirty="0"/>
-          </a:p>
-        </p:txBody>
-      </p:sp>
-      <p:sp>
-        <p:nvSpPr>
-          <p:cNvPr id="3" name="Text Placeholder 2">
+              <a:t>Multi-turn Conversations</a:t>
+            </a:r>
+          </a:p>
+        </p:txBody>
+      </p:sp>
+      <p:pic>
+        <p:nvPicPr>
+          <p:cNvPr id="7" name="Picture 6">
             <a:extLst>
               <a:ext uri="{FF2B5EF4-FFF2-40B4-BE49-F238E27FC236}">
-                <a16:creationId xmlns:a16="http://schemas.microsoft.com/office/drawing/2014/main" id="{85954DC2-DC07-1E16-FEF0-A86B056CCD0A}"/>
+                <a16:creationId xmlns:a16="http://schemas.microsoft.com/office/drawing/2014/main" id="{496430C8-E00E-FF58-0F7C-67DE2372AFD0}"/>
               </a:ext>
             </a:extLst>
           </p:cNvPr>
-          <p:cNvSpPr>
-            <a:spLocks noGrp="1"/>
-          </p:cNvSpPr>
-          <p:nvPr>
-            <p:ph type="body" idx="1"/>
-          </p:nvPr>
-        </p:nvSpPr>
-        <p:spPr>
-          <a:xfrm>
-            <a:off x="685799" y="1586204"/>
-            <a:ext cx="10131428" cy="4051577"/>
-          </a:xfrm>
-        </p:spPr>
-        <p:txBody>
-          <a:bodyPr>
-            <a:normAutofit/>
-          </a:bodyPr>
-          <a:lstStyle/>
-          <a:p>
-            <a:pPr algn="l">
-              <a:buFont typeface="Arial" panose="020B0604020202020204" pitchFamily="34" charset="0"/>
-              <a:buChar char="•"/>
-            </a:pPr>
-            <a:r>
-              <a:rPr lang="en-IN" b="0" i="0" u="none" strike="noStrike" dirty="0">
-                <a:effectLst/>
-                <a:latin typeface="-apple-system"/>
-                <a:hlinkClick r:id="rId2">
-                  <a:extLst>
-                    <a:ext uri="{A12FA001-AC4F-418D-AE19-62706E023703}">
-                      <ahyp:hlinkClr xmlns:ahyp="http://schemas.microsoft.com/office/drawing/2018/hyperlinkcolor" val="tx"/>
-                    </a:ext>
-                  </a:extLst>
-                </a:hlinkClick>
-              </a:rPr>
-              <a:t> https://rasa.com/docs/rasa/installation/environment-set-up/</a:t>
-            </a:r>
-            <a:endParaRPr lang="en-IN" b="0" i="0" dirty="0">
-              <a:effectLst/>
-              <a:latin typeface="-apple-system"/>
-            </a:endParaRPr>
-          </a:p>
-          <a:p>
-            <a:pPr algn="l">
-              <a:buFont typeface="Arial" panose="020B0604020202020204" pitchFamily="34" charset="0"/>
-              <a:buChar char="•"/>
-            </a:pPr>
-            <a:r>
-              <a:rPr lang="en-IN" b="0" i="0" u="none" strike="noStrike" dirty="0">
-                <a:effectLst/>
-                <a:latin typeface="-apple-system"/>
-                <a:hlinkClick r:id="rId3">
-                  <a:extLst>
-                    <a:ext uri="{A12FA001-AC4F-418D-AE19-62706E023703}">
-                      <ahyp:hlinkClr xmlns:ahyp="http://schemas.microsoft.com/office/drawing/2018/hyperlinkcolor" val="tx"/>
-                    </a:ext>
-                  </a:extLst>
-                </a:hlinkClick>
-              </a:rPr>
-              <a:t> https://www.youtube.com/watch?v=2Qu4LCvB4bs&amp;t=456s</a:t>
-            </a:r>
-            <a:endParaRPr lang="en-IN" b="0" i="0" dirty="0">
-              <a:effectLst/>
-              <a:latin typeface="-apple-system"/>
-            </a:endParaRPr>
-          </a:p>
-          <a:p>
-            <a:pPr algn="l">
-              <a:buFont typeface="Arial" panose="020B0604020202020204" pitchFamily="34" charset="0"/>
-              <a:buChar char="•"/>
-            </a:pPr>
-            <a:r>
-              <a:rPr lang="en-IN" b="0" i="0" u="none" strike="noStrike" dirty="0">
-                <a:effectLst/>
-                <a:latin typeface="-apple-system"/>
-                <a:hlinkClick r:id="rId4">
-                  <a:extLst>
-                    <a:ext uri="{A12FA001-AC4F-418D-AE19-62706E023703}">
-                      <ahyp:hlinkClr xmlns:ahyp="http://schemas.microsoft.com/office/drawing/2018/hyperlinkcolor" val="tx"/>
-                    </a:ext>
-                  </a:extLst>
-                </a:hlinkClick>
-              </a:rPr>
-              <a:t> https://github.com/RasaHQ/rasa-3.x-form-examples</a:t>
-            </a:r>
-            <a:endParaRPr lang="en-IN" b="0" i="0" dirty="0">
-              <a:effectLst/>
-              <a:latin typeface="-apple-system"/>
-            </a:endParaRPr>
-          </a:p>
-          <a:p>
-            <a:pPr algn="l">
-              <a:buFont typeface="Arial" panose="020B0604020202020204" pitchFamily="34" charset="0"/>
-              <a:buChar char="•"/>
-            </a:pPr>
-            <a:r>
-              <a:rPr lang="en-IN" b="0" i="0" u="none" strike="noStrike" dirty="0">
-                <a:effectLst/>
-                <a:latin typeface="-apple-system"/>
-                <a:hlinkClick r:id="rId5">
-                  <a:extLst>
-                    <a:ext uri="{A12FA001-AC4F-418D-AE19-62706E023703}">
-                      <ahyp:hlinkClr xmlns:ahyp="http://schemas.microsoft.com/office/drawing/2018/hyperlinkcolor" val="tx"/>
-                    </a:ext>
-                  </a:extLst>
-                </a:hlinkClick>
-              </a:rPr>
-              <a:t> https://www.youtube.com/watch?v=VcbfcsjBBIg&amp;t=630s</a:t>
-            </a:r>
-            <a:endParaRPr lang="en-IN" b="0" i="0" dirty="0">
-              <a:effectLst/>
-              <a:latin typeface="-apple-system"/>
-            </a:endParaRPr>
-          </a:p>
-          <a:p>
-            <a:pPr algn="l">
-              <a:buFont typeface="Arial" panose="020B0604020202020204" pitchFamily="34" charset="0"/>
-              <a:buChar char="•"/>
-            </a:pPr>
-            <a:r>
-              <a:rPr lang="en-IN" b="0" i="0" u="none" strike="noStrike" dirty="0">
-                <a:effectLst/>
-                <a:latin typeface="-apple-system"/>
-                <a:hlinkClick r:id="rId6">
-                  <a:extLst>
-                    <a:ext uri="{A12FA001-AC4F-418D-AE19-62706E023703}">
-                      <ahyp:hlinkClr xmlns:ahyp="http://schemas.microsoft.com/office/drawing/2018/hyperlinkcolor" val="tx"/>
-                    </a:ext>
-                  </a:extLst>
-                </a:hlinkClick>
-              </a:rPr>
-              <a:t> https://www.youtube.com/watch?v=hIWnpyTWsLQ&amp;t=1096s</a:t>
-            </a:r>
-            <a:endParaRPr lang="en-IN" b="0" i="0" dirty="0">
-              <a:effectLst/>
-              <a:latin typeface="-apple-system"/>
-            </a:endParaRPr>
-          </a:p>
-          <a:p>
-            <a:pPr algn="l">
-              <a:buFont typeface="Arial" panose="020B0604020202020204" pitchFamily="34" charset="0"/>
-              <a:buChar char="•"/>
-            </a:pPr>
-            <a:r>
-              <a:rPr lang="en-IN" b="0" i="0" u="none" strike="noStrike" dirty="0">
-                <a:effectLst/>
-                <a:latin typeface="-apple-system"/>
-                <a:hlinkClick r:id="rId7">
-                  <a:extLst>
-                    <a:ext uri="{A12FA001-AC4F-418D-AE19-62706E023703}">
-                      <ahyp:hlinkClr xmlns:ahyp="http://schemas.microsoft.com/office/drawing/2018/hyperlinkcolor" val="tx"/>
-                    </a:ext>
-                  </a:extLst>
-                </a:hlinkClick>
-              </a:rPr>
-              <a:t> </a:t>
-            </a:r>
-            <a:r>
-              <a:rPr lang="en-IN" b="0" i="0" u="none" strike="noStrike" dirty="0">
-                <a:effectLst/>
-                <a:latin typeface="-apple-system"/>
-                <a:hlinkClick r:id="rId7">
-                  <a:extLst>
-                    <a:ext uri="{A12FA001-AC4F-418D-AE19-62706E023703}">
-                      <ahyp:hlinkClr xmlns:ahyp="http://schemas.microsoft.com/office/drawing/2018/hyperlinkcolor" val="tx"/>
-                    </a:ext>
-                  </a:extLst>
-                </a:hlinkClick>
-              </a:rPr>
-              <a:t>https://www.youtube.com/watch?v=Ds8cB3LZwfU&amp;t=799s</a:t>
-            </a:r>
-            <a:r>
-              <a:rPr lang="en-IN" b="0" i="0" u="none" strike="noStrike" dirty="0">
-                <a:effectLst/>
-                <a:latin typeface="-apple-system"/>
-              </a:rPr>
-              <a:t> </a:t>
-            </a:r>
-            <a:endParaRPr lang="en-IN" b="0" i="0" dirty="0">
-              <a:effectLst/>
-              <a:latin typeface="-apple-system"/>
-            </a:endParaRPr>
-          </a:p>
-          <a:p>
-            <a:pPr algn="l">
-              <a:buFont typeface="Arial" panose="020B0604020202020204" pitchFamily="34" charset="0"/>
-              <a:buChar char="•"/>
-            </a:pPr>
-            <a:r>
-              <a:rPr lang="en-IN" b="0" i="0" strike="noStrike" dirty="0">
-                <a:effectLst/>
-                <a:latin typeface="-apple-system"/>
-                <a:hlinkClick r:id="rId8">
-                  <a:extLst>
-                    <a:ext uri="{A12FA001-AC4F-418D-AE19-62706E023703}">
-                      <ahyp:hlinkClr xmlns:ahyp="http://schemas.microsoft.com/office/drawing/2018/hyperlinkcolor" val="tx"/>
-                    </a:ext>
-                  </a:extLst>
-                </a:hlinkClick>
-              </a:rPr>
-              <a:t> </a:t>
-            </a:r>
-            <a:r>
-              <a:rPr lang="en-IN" b="0" i="0" u="none" strike="noStrike" dirty="0">
-                <a:effectLst/>
-                <a:latin typeface="-apple-system"/>
-                <a:hlinkClick r:id="rId8">
-                  <a:extLst>
-                    <a:ext uri="{A12FA001-AC4F-418D-AE19-62706E023703}">
-                      <ahyp:hlinkClr xmlns:ahyp="http://schemas.microsoft.com/office/drawing/2018/hyperlinkcolor" val="tx"/>
-                    </a:ext>
-                  </a:extLst>
-                </a:hlinkClick>
-              </a:rPr>
-              <a:t>https://rasa.com/</a:t>
-            </a:r>
-            <a:endParaRPr lang="en-IN" b="0" i="0" dirty="0">
-              <a:effectLst/>
-              <a:latin typeface="-apple-system"/>
-            </a:endParaRPr>
-          </a:p>
-          <a:p>
-            <a:pPr algn="l">
-              <a:buFont typeface="Arial" panose="020B0604020202020204" pitchFamily="34" charset="0"/>
-              <a:buChar char="•"/>
-            </a:pPr>
-            <a:r>
-              <a:rPr lang="en-IN" b="0" i="0" u="none" strike="noStrike" dirty="0">
-                <a:effectLst/>
-                <a:latin typeface="-apple-system"/>
-                <a:hlinkClick r:id="rId9">
-                  <a:extLst>
-                    <a:ext uri="{A12FA001-AC4F-418D-AE19-62706E023703}">
-                      <ahyp:hlinkClr xmlns:ahyp="http://schemas.microsoft.com/office/drawing/2018/hyperlinkcolor" val="tx"/>
-                    </a:ext>
-                  </a:extLst>
-                </a:hlinkClick>
-              </a:rPr>
-              <a:t> https://github.com/RasaHQ/rasa-2.x-form-examples</a:t>
-            </a:r>
-            <a:endParaRPr lang="en-IN" b="0" i="0" dirty="0">
-              <a:effectLst/>
-              <a:latin typeface="-apple-system"/>
-            </a:endParaRPr>
-          </a:p>
-          <a:p>
-            <a:endParaRPr lang="en-IN" dirty="0"/>
-          </a:p>
-        </p:txBody>
-      </p:sp>
+          <p:cNvPicPr>
+            <a:picLocks noChangeAspect="1"/>
+          </p:cNvPicPr>
+          <p:nvPr/>
+        </p:nvPicPr>
+        <p:blipFill>
+          <a:blip r:embed="rId4"/>
+          <a:stretch>
+            <a:fillRect/>
+          </a:stretch>
+        </p:blipFill>
+        <p:spPr>
+          <a:xfrm>
+            <a:off x="6544932" y="1922105"/>
+            <a:ext cx="5314276" cy="4481935"/>
+          </a:xfrm>
+          <a:prstGeom prst="roundRect">
+            <a:avLst>
+              <a:gd name="adj" fmla="val 4380"/>
+            </a:avLst>
+          </a:prstGeom>
+          <a:ln w="50800" cap="sq" cmpd="dbl">
+            <a:gradFill flip="none" rotWithShape="1">
+              <a:gsLst>
+                <a:gs pos="0">
+                  <a:srgbClr val="FFFFFF"/>
+                </a:gs>
+                <a:gs pos="100000">
+                  <a:schemeClr val="tx1">
+                    <a:alpha val="0"/>
+                  </a:schemeClr>
+                </a:gs>
+              </a:gsLst>
+              <a:path path="circle">
+                <a:fillToRect l="50000" t="50000" r="50000" b="50000"/>
+              </a:path>
+              <a:tileRect/>
+            </a:gradFill>
+            <a:miter lim="800000"/>
+          </a:ln>
+          <a:effectLst>
+            <a:outerShdw blurRad="254000" algn="tl" rotWithShape="0">
+              <a:srgbClr val="000000">
+                <a:alpha val="43000"/>
+              </a:srgbClr>
+            </a:outerShdw>
+          </a:effectLst>
+        </p:spPr>
+      </p:pic>
+      <p:pic>
+        <p:nvPicPr>
+          <p:cNvPr id="5" name="Picture 4">
+            <a:extLst>
+              <a:ext uri="{FF2B5EF4-FFF2-40B4-BE49-F238E27FC236}">
+                <a16:creationId xmlns:a16="http://schemas.microsoft.com/office/drawing/2014/main" id="{9DAE441B-0139-AA6E-CB92-C669F55DB047}"/>
+              </a:ext>
+            </a:extLst>
+          </p:cNvPr>
+          <p:cNvPicPr>
+            <a:picLocks noChangeAspect="1"/>
+          </p:cNvPicPr>
+          <p:nvPr/>
+        </p:nvPicPr>
+        <p:blipFill>
+          <a:blip r:embed="rId5"/>
+          <a:stretch>
+            <a:fillRect/>
+          </a:stretch>
+        </p:blipFill>
+        <p:spPr>
+          <a:xfrm>
+            <a:off x="431851" y="1922105"/>
+            <a:ext cx="5215219" cy="4481935"/>
+          </a:xfrm>
+          <a:prstGeom prst="roundRect">
+            <a:avLst>
+              <a:gd name="adj" fmla="val 4380"/>
+            </a:avLst>
+          </a:prstGeom>
+          <a:ln w="50800" cap="sq" cmpd="dbl">
+            <a:gradFill flip="none" rotWithShape="1">
+              <a:gsLst>
+                <a:gs pos="0">
+                  <a:srgbClr val="FFFFFF"/>
+                </a:gs>
+                <a:gs pos="100000">
+                  <a:schemeClr val="tx1">
+                    <a:alpha val="0"/>
+                  </a:schemeClr>
+                </a:gs>
+              </a:gsLst>
+              <a:path path="circle">
+                <a:fillToRect l="50000" t="50000" r="50000" b="50000"/>
+              </a:path>
+              <a:tileRect/>
+            </a:gradFill>
+            <a:miter lim="800000"/>
+          </a:ln>
+          <a:effectLst>
+            <a:outerShdw blurRad="254000" algn="tl" rotWithShape="0">
+              <a:srgbClr val="000000">
+                <a:alpha val="43000"/>
+              </a:srgbClr>
+            </a:outerShdw>
+          </a:effectLst>
+        </p:spPr>
+      </p:pic>
     </p:spTree>
     <p:extLst>
       <p:ext uri="{BB962C8B-B14F-4D97-AF65-F5344CB8AC3E}">
-        <p14:creationId xmlns:p14="http://schemas.microsoft.com/office/powerpoint/2010/main" val="1388982160"/>
+        <p14:creationId xmlns:p14="http://schemas.microsoft.com/office/powerpoint/2010/main" val="2856757685"/>
       </p:ext>
     </p:extLst>
   </p:cSld>
@@ -6834,6 +7676,15 @@
 <file path=ppt/slides/slide6.xml><?xml version="1.0" encoding="utf-8"?>
 <p:sld xmlns:a="http://schemas.openxmlformats.org/drawingml/2006/main" xmlns:r="http://schemas.openxmlformats.org/officeDocument/2006/relationships" xmlns:p="http://schemas.openxmlformats.org/presentationml/2006/main">
   <p:cSld>
+    <p:bg>
+      <p:bgPr>
+        <a:blipFill>
+          <a:blip r:embed="rId2"/>
+          <a:stretch/>
+        </a:blipFill>
+        <a:effectLst/>
+      </p:bgPr>
+    </p:bg>
     <p:spTree>
       <p:nvGrpSpPr>
         <p:cNvPr id="1" name=""/>
@@ -6848,12 +7699,255 @@
           <a:chExt cx="0" cy="0"/>
         </a:xfrm>
       </p:grpSpPr>
+      <p:pic>
+        <p:nvPicPr>
+          <p:cNvPr id="27" name="Picture 20">
+            <a:extLst>
+              <a:ext uri="{FF2B5EF4-FFF2-40B4-BE49-F238E27FC236}">
+                <a16:creationId xmlns:a16="http://schemas.microsoft.com/office/drawing/2014/main" id="{302549BA-4EBA-46D6-AA90-3D948F7C12E6}"/>
+              </a:ext>
+              <a:ext uri="{C183D7F6-B498-43B3-948B-1728B52AA6E4}">
+                <adec:decorative xmlns:adec="http://schemas.microsoft.com/office/drawing/2017/decorative" val="1"/>
+              </a:ext>
+            </a:extLst>
+          </p:cNvPr>
+          <p:cNvPicPr>
+            <a:picLocks noGrp="1" noRot="1" noChangeAspect="1" noMove="1" noResize="1" noEditPoints="1" noAdjustHandles="1" noChangeArrowheads="1" noChangeShapeType="1" noCrop="1"/>
+          </p:cNvPicPr>
+          <p:nvPr>
+            <p:extLst>
+              <p:ext uri="{386F3935-93C4-4BCD-93E2-E3B085C9AB24}">
+                <p16:designElem xmlns:p16="http://schemas.microsoft.com/office/powerpoint/2015/main" val="1"/>
+              </p:ext>
+            </p:extLst>
+          </p:nvPr>
+        </p:nvPicPr>
+        <p:blipFill>
+          <a:blip r:embed="rId3">
+            <a:extLst>
+              <a:ext uri="{28A0092B-C50C-407E-A947-70E740481C1C}">
+                <a14:useLocalDpi xmlns:a14="http://schemas.microsoft.com/office/drawing/2010/main" val="0"/>
+              </a:ext>
+            </a:extLst>
+          </a:blip>
+          <a:stretch>
+            <a:fillRect/>
+          </a:stretch>
+        </p:blipFill>
+        <p:spPr>
+          <a:xfrm>
+            <a:off x="0" y="0"/>
+            <a:ext cx="12188825" cy="6856214"/>
+          </a:xfrm>
+          <a:prstGeom prst="rect">
+            <a:avLst/>
+          </a:prstGeom>
+        </p:spPr>
+      </p:pic>
+      <p:pic>
+        <p:nvPicPr>
+          <p:cNvPr id="7" name="Picture 6">
+            <a:extLst>
+              <a:ext uri="{FF2B5EF4-FFF2-40B4-BE49-F238E27FC236}">
+                <a16:creationId xmlns:a16="http://schemas.microsoft.com/office/drawing/2014/main" id="{6FBF2DEC-4E40-101B-E0E3-0DB86194B897}"/>
+              </a:ext>
+            </a:extLst>
+          </p:cNvPr>
+          <p:cNvPicPr>
+            <a:picLocks noChangeAspect="1"/>
+          </p:cNvPicPr>
+          <p:nvPr/>
+        </p:nvPicPr>
+        <p:blipFill rotWithShape="1">
+          <a:blip r:embed="rId4"/>
+          <a:srcRect l="4" t="205" b="-582"/>
+          <a:stretch/>
+        </p:blipFill>
+        <p:spPr>
+          <a:xfrm>
+            <a:off x="257175" y="733425"/>
+            <a:ext cx="5572125" cy="5343524"/>
+          </a:xfrm>
+          <a:prstGeom prst="roundRect">
+            <a:avLst>
+              <a:gd name="adj" fmla="val 4380"/>
+            </a:avLst>
+          </a:prstGeom>
+          <a:ln w="50800" cap="sq" cmpd="dbl">
+            <a:gradFill flip="none" rotWithShape="1">
+              <a:gsLst>
+                <a:gs pos="0">
+                  <a:srgbClr val="FFFFFF"/>
+                </a:gs>
+                <a:gs pos="100000">
+                  <a:schemeClr val="tx1">
+                    <a:alpha val="0"/>
+                  </a:schemeClr>
+                </a:gs>
+              </a:gsLst>
+              <a:path path="circle">
+                <a:fillToRect l="50000" t="50000" r="50000" b="50000"/>
+              </a:path>
+              <a:tileRect/>
+            </a:gradFill>
+            <a:miter lim="800000"/>
+          </a:ln>
+          <a:effectLst>
+            <a:outerShdw blurRad="254000" algn="tl" rotWithShape="0">
+              <a:srgbClr val="000000">
+                <a:alpha val="43000"/>
+              </a:srgbClr>
+            </a:outerShdw>
+          </a:effectLst>
+        </p:spPr>
+      </p:pic>
+      <p:pic>
+        <p:nvPicPr>
+          <p:cNvPr id="9" name="Picture 8">
+            <a:extLst>
+              <a:ext uri="{FF2B5EF4-FFF2-40B4-BE49-F238E27FC236}">
+                <a16:creationId xmlns:a16="http://schemas.microsoft.com/office/drawing/2014/main" id="{732F58B0-D519-7B91-C42C-1ED79967F8D5}"/>
+              </a:ext>
+            </a:extLst>
+          </p:cNvPr>
+          <p:cNvPicPr>
+            <a:picLocks noChangeAspect="1"/>
+          </p:cNvPicPr>
+          <p:nvPr/>
+        </p:nvPicPr>
+        <p:blipFill rotWithShape="1">
+          <a:blip r:embed="rId5"/>
+          <a:srcRect l="1" r="1" b="-673"/>
+          <a:stretch/>
+        </p:blipFill>
+        <p:spPr>
+          <a:xfrm>
+            <a:off x="6162676" y="733426"/>
+            <a:ext cx="5772150" cy="5343524"/>
+          </a:xfrm>
+          <a:prstGeom prst="roundRect">
+            <a:avLst>
+              <a:gd name="adj" fmla="val 4380"/>
+            </a:avLst>
+          </a:prstGeom>
+          <a:ln w="50800" cap="sq" cmpd="dbl">
+            <a:gradFill flip="none" rotWithShape="1">
+              <a:gsLst>
+                <a:gs pos="0">
+                  <a:srgbClr val="FFFFFF"/>
+                </a:gs>
+                <a:gs pos="100000">
+                  <a:schemeClr val="tx1">
+                    <a:alpha val="0"/>
+                  </a:schemeClr>
+                </a:gs>
+              </a:gsLst>
+              <a:path path="circle">
+                <a:fillToRect l="50000" t="50000" r="50000" b="50000"/>
+              </a:path>
+              <a:tileRect/>
+            </a:gradFill>
+            <a:miter lim="800000"/>
+          </a:ln>
+          <a:effectLst>
+            <a:outerShdw blurRad="254000" algn="tl" rotWithShape="0">
+              <a:srgbClr val="000000">
+                <a:alpha val="43000"/>
+              </a:srgbClr>
+            </a:outerShdw>
+          </a:effectLst>
+        </p:spPr>
+      </p:pic>
+    </p:spTree>
+    <p:extLst>
+      <p:ext uri="{BB962C8B-B14F-4D97-AF65-F5344CB8AC3E}">
+        <p14:creationId xmlns:p14="http://schemas.microsoft.com/office/powerpoint/2010/main" val="499567895"/>
+      </p:ext>
+    </p:extLst>
+  </p:cSld>
+  <p:clrMapOvr>
+    <a:masterClrMapping/>
+  </p:clrMapOvr>
+</p:sld>
+</file>
+
+<file path=ppt/slides/slide7.xml><?xml version="1.0" encoding="utf-8"?>
+<p:sld xmlns:a="http://schemas.openxmlformats.org/drawingml/2006/main" xmlns:r="http://schemas.openxmlformats.org/officeDocument/2006/relationships" xmlns:p="http://schemas.openxmlformats.org/presentationml/2006/main">
+  <p:cSld>
+    <p:bg>
+      <p:bgPr>
+        <a:blipFill>
+          <a:blip r:embed="rId2"/>
+          <a:stretch/>
+        </a:blipFill>
+        <a:effectLst/>
+      </p:bgPr>
+    </p:bg>
+    <p:spTree>
+      <p:nvGrpSpPr>
+        <p:cNvPr id="1" name=""/>
+        <p:cNvGrpSpPr/>
+        <p:nvPr/>
+      </p:nvGrpSpPr>
+      <p:grpSpPr>
+        <a:xfrm>
+          <a:off x="0" y="0"/>
+          <a:ext cx="0" cy="0"/>
+          <a:chOff x="0" y="0"/>
+          <a:chExt cx="0" cy="0"/>
+        </a:xfrm>
+      </p:grpSpPr>
+      <p:pic>
+        <p:nvPicPr>
+          <p:cNvPr id="10" name="Picture 9">
+            <a:extLst>
+              <a:ext uri="{FF2B5EF4-FFF2-40B4-BE49-F238E27FC236}">
+                <a16:creationId xmlns:a16="http://schemas.microsoft.com/office/drawing/2014/main" id="{F3812132-56AD-436D-A522-B55990A6A8E0}"/>
+              </a:ext>
+              <a:ext uri="{C183D7F6-B498-43B3-948B-1728B52AA6E4}">
+                <adec:decorative xmlns:adec="http://schemas.microsoft.com/office/drawing/2017/decorative" val="1"/>
+              </a:ext>
+            </a:extLst>
+          </p:cNvPr>
+          <p:cNvPicPr>
+            <a:picLocks noGrp="1" noRot="1" noChangeAspect="1" noMove="1" noResize="1" noEditPoints="1" noAdjustHandles="1" noChangeArrowheads="1" noChangeShapeType="1" noCrop="1"/>
+          </p:cNvPicPr>
+          <p:nvPr>
+            <p:extLst>
+              <p:ext uri="{386F3935-93C4-4BCD-93E2-E3B085C9AB24}">
+                <p16:designElem xmlns:p16="http://schemas.microsoft.com/office/powerpoint/2015/main" val="1"/>
+              </p:ext>
+            </p:extLst>
+          </p:nvPr>
+        </p:nvPicPr>
+        <p:blipFill>
+          <a:blip r:embed="rId3">
+            <a:extLst>
+              <a:ext uri="{28A0092B-C50C-407E-A947-70E740481C1C}">
+                <a14:useLocalDpi xmlns:a14="http://schemas.microsoft.com/office/drawing/2010/main" val="0"/>
+              </a:ext>
+            </a:extLst>
+          </a:blip>
+          <a:stretch>
+            <a:fillRect/>
+          </a:stretch>
+        </p:blipFill>
+        <p:spPr>
+          <a:xfrm>
+            <a:off x="0" y="0"/>
+            <a:ext cx="12188825" cy="6856214"/>
+          </a:xfrm>
+          <a:prstGeom prst="rect">
+            <a:avLst/>
+          </a:prstGeom>
+        </p:spPr>
+      </p:pic>
       <p:sp>
         <p:nvSpPr>
           <p:cNvPr id="2" name="Title 1">
             <a:extLst>
               <a:ext uri="{FF2B5EF4-FFF2-40B4-BE49-F238E27FC236}">
-                <a16:creationId xmlns:a16="http://schemas.microsoft.com/office/drawing/2014/main" id="{567CDB01-C56A-5779-4E3A-F4E393B9A7C7}"/>
+                <a16:creationId xmlns:a16="http://schemas.microsoft.com/office/drawing/2014/main" id="{57A2AF43-B152-A49E-38B3-33FBB84E2919}"/>
               </a:ext>
             </a:extLst>
           </p:cNvPr>
@@ -6866,28 +7960,406 @@
         </p:nvSpPr>
         <p:spPr>
           <a:xfrm>
-            <a:off x="3886200" y="2552802"/>
-            <a:ext cx="4063482" cy="1468800"/>
-          </a:xfrm>
-        </p:spPr>
-        <p:txBody>
-          <a:bodyPr>
-            <a:noAutofit/>
+            <a:off x="643464" y="639097"/>
+            <a:ext cx="4789678" cy="3746634"/>
+          </a:xfrm>
+        </p:spPr>
+        <p:txBody>
+          <a:bodyPr vert="horz" lIns="91440" tIns="45720" rIns="91440" bIns="45720" rtlCol="0" anchor="b">
+            <a:normAutofit/>
           </a:bodyPr>
           <a:lstStyle/>
           <a:p>
-            <a:r>
-              <a:rPr lang="en-US" sz="5400" dirty="0"/>
-              <a:t>Thank you</a:t>
-            </a:r>
-            <a:endParaRPr lang="en-IN" sz="5400" dirty="0"/>
-          </a:p>
-        </p:txBody>
-      </p:sp>
+            <a:pPr algn="r"/>
+            <a:r>
+              <a:rPr lang="en-US" sz="4800" dirty="0"/>
+              <a:t>Slots filling conversation</a:t>
+            </a:r>
+          </a:p>
+        </p:txBody>
+      </p:sp>
+      <p:pic>
+        <p:nvPicPr>
+          <p:cNvPr id="5" name="Picture 4">
+            <a:extLst>
+              <a:ext uri="{FF2B5EF4-FFF2-40B4-BE49-F238E27FC236}">
+                <a16:creationId xmlns:a16="http://schemas.microsoft.com/office/drawing/2014/main" id="{0FC05175-F337-9038-0002-647C8DF30927}"/>
+              </a:ext>
+            </a:extLst>
+          </p:cNvPr>
+          <p:cNvPicPr>
+            <a:picLocks noChangeAspect="1"/>
+          </p:cNvPicPr>
+          <p:nvPr/>
+        </p:nvPicPr>
+        <p:blipFill>
+          <a:blip r:embed="rId4"/>
+          <a:stretch>
+            <a:fillRect/>
+          </a:stretch>
+        </p:blipFill>
+        <p:spPr>
+          <a:xfrm>
+            <a:off x="5600700" y="400050"/>
+            <a:ext cx="6286500" cy="5886450"/>
+          </a:xfrm>
+          <a:prstGeom prst="roundRect">
+            <a:avLst>
+              <a:gd name="adj" fmla="val 4380"/>
+            </a:avLst>
+          </a:prstGeom>
+          <a:ln w="50800" cap="sq" cmpd="dbl">
+            <a:gradFill flip="none" rotWithShape="1">
+              <a:gsLst>
+                <a:gs pos="0">
+                  <a:srgbClr val="FFFFFF"/>
+                </a:gs>
+                <a:gs pos="100000">
+                  <a:schemeClr val="tx1">
+                    <a:alpha val="0"/>
+                  </a:schemeClr>
+                </a:gs>
+              </a:gsLst>
+              <a:path path="circle">
+                <a:fillToRect l="50000" t="50000" r="50000" b="50000"/>
+              </a:path>
+              <a:tileRect/>
+            </a:gradFill>
+            <a:miter lim="800000"/>
+          </a:ln>
+          <a:effectLst>
+            <a:outerShdw blurRad="254000" algn="tl" rotWithShape="0">
+              <a:srgbClr val="000000">
+                <a:alpha val="43000"/>
+              </a:srgbClr>
+            </a:outerShdw>
+          </a:effectLst>
+        </p:spPr>
+      </p:pic>
     </p:spTree>
     <p:extLst>
       <p:ext uri="{BB962C8B-B14F-4D97-AF65-F5344CB8AC3E}">
-        <p14:creationId xmlns:p14="http://schemas.microsoft.com/office/powerpoint/2010/main" val="3568443788"/>
+        <p14:creationId xmlns:p14="http://schemas.microsoft.com/office/powerpoint/2010/main" val="467530253"/>
+      </p:ext>
+    </p:extLst>
+  </p:cSld>
+  <p:clrMapOvr>
+    <a:masterClrMapping/>
+  </p:clrMapOvr>
+</p:sld>
+</file>
+
+<file path=ppt/slides/slide8.xml><?xml version="1.0" encoding="utf-8"?>
+<p:sld xmlns:a="http://schemas.openxmlformats.org/drawingml/2006/main" xmlns:r="http://schemas.openxmlformats.org/officeDocument/2006/relationships" xmlns:p="http://schemas.openxmlformats.org/presentationml/2006/main">
+  <p:cSld>
+    <p:bg>
+      <p:bgPr>
+        <a:blipFill>
+          <a:blip r:embed="rId2"/>
+          <a:stretch/>
+        </a:blipFill>
+        <a:effectLst/>
+      </p:bgPr>
+    </p:bg>
+    <p:spTree>
+      <p:nvGrpSpPr>
+        <p:cNvPr id="1" name=""/>
+        <p:cNvGrpSpPr/>
+        <p:nvPr/>
+      </p:nvGrpSpPr>
+      <p:grpSpPr>
+        <a:xfrm>
+          <a:off x="0" y="0"/>
+          <a:ext cx="0" cy="0"/>
+          <a:chOff x="0" y="0"/>
+          <a:chExt cx="0" cy="0"/>
+        </a:xfrm>
+      </p:grpSpPr>
+      <p:pic>
+        <p:nvPicPr>
+          <p:cNvPr id="10" name="Picture 9">
+            <a:extLst>
+              <a:ext uri="{FF2B5EF4-FFF2-40B4-BE49-F238E27FC236}">
+                <a16:creationId xmlns:a16="http://schemas.microsoft.com/office/drawing/2014/main" id="{F3812132-56AD-436D-A522-B55990A6A8E0}"/>
+              </a:ext>
+              <a:ext uri="{C183D7F6-B498-43B3-948B-1728B52AA6E4}">
+                <adec:decorative xmlns:adec="http://schemas.microsoft.com/office/drawing/2017/decorative" val="1"/>
+              </a:ext>
+            </a:extLst>
+          </p:cNvPr>
+          <p:cNvPicPr>
+            <a:picLocks noGrp="1" noRot="1" noChangeAspect="1" noMove="1" noResize="1" noEditPoints="1" noAdjustHandles="1" noChangeArrowheads="1" noChangeShapeType="1" noCrop="1"/>
+          </p:cNvPicPr>
+          <p:nvPr>
+            <p:extLst>
+              <p:ext uri="{386F3935-93C4-4BCD-93E2-E3B085C9AB24}">
+                <p16:designElem xmlns:p16="http://schemas.microsoft.com/office/powerpoint/2015/main" val="1"/>
+              </p:ext>
+            </p:extLst>
+          </p:nvPr>
+        </p:nvPicPr>
+        <p:blipFill>
+          <a:blip r:embed="rId3">
+            <a:extLst>
+              <a:ext uri="{28A0092B-C50C-407E-A947-70E740481C1C}">
+                <a14:useLocalDpi xmlns:a14="http://schemas.microsoft.com/office/drawing/2010/main" val="0"/>
+              </a:ext>
+            </a:extLst>
+          </a:blip>
+          <a:stretch>
+            <a:fillRect/>
+          </a:stretch>
+        </p:blipFill>
+        <p:spPr>
+          <a:xfrm>
+            <a:off x="0" y="0"/>
+            <a:ext cx="12188825" cy="6856214"/>
+          </a:xfrm>
+          <a:prstGeom prst="rect">
+            <a:avLst/>
+          </a:prstGeom>
+        </p:spPr>
+      </p:pic>
+      <p:pic>
+        <p:nvPicPr>
+          <p:cNvPr id="5" name="Picture 4">
+            <a:extLst>
+              <a:ext uri="{FF2B5EF4-FFF2-40B4-BE49-F238E27FC236}">
+                <a16:creationId xmlns:a16="http://schemas.microsoft.com/office/drawing/2014/main" id="{41482900-BA08-F714-5392-283999655B10}"/>
+              </a:ext>
+            </a:extLst>
+          </p:cNvPr>
+          <p:cNvPicPr>
+            <a:picLocks noChangeAspect="1"/>
+          </p:cNvPicPr>
+          <p:nvPr/>
+        </p:nvPicPr>
+        <p:blipFill>
+          <a:blip r:embed="rId4"/>
+          <a:stretch>
+            <a:fillRect/>
+          </a:stretch>
+        </p:blipFill>
+        <p:spPr>
+          <a:xfrm>
+            <a:off x="2125235" y="650910"/>
+            <a:ext cx="6921364" cy="5554394"/>
+          </a:xfrm>
+          <a:prstGeom prst="roundRect">
+            <a:avLst>
+              <a:gd name="adj" fmla="val 4380"/>
+            </a:avLst>
+          </a:prstGeom>
+          <a:ln w="50800" cap="sq" cmpd="dbl">
+            <a:gradFill flip="none" rotWithShape="1">
+              <a:gsLst>
+                <a:gs pos="0">
+                  <a:srgbClr val="FFFFFF"/>
+                </a:gs>
+                <a:gs pos="100000">
+                  <a:schemeClr val="tx1">
+                    <a:alpha val="0"/>
+                  </a:schemeClr>
+                </a:gs>
+              </a:gsLst>
+              <a:path path="circle">
+                <a:fillToRect l="50000" t="50000" r="50000" b="50000"/>
+              </a:path>
+              <a:tileRect/>
+            </a:gradFill>
+            <a:miter lim="800000"/>
+          </a:ln>
+          <a:effectLst>
+            <a:outerShdw blurRad="254000" algn="tl" rotWithShape="0">
+              <a:srgbClr val="000000">
+                <a:alpha val="43000"/>
+              </a:srgbClr>
+            </a:outerShdw>
+          </a:effectLst>
+        </p:spPr>
+      </p:pic>
+    </p:spTree>
+    <p:extLst>
+      <p:ext uri="{BB962C8B-B14F-4D97-AF65-F5344CB8AC3E}">
+        <p14:creationId xmlns:p14="http://schemas.microsoft.com/office/powerpoint/2010/main" val="2513906565"/>
+      </p:ext>
+    </p:extLst>
+  </p:cSld>
+  <p:clrMapOvr>
+    <a:masterClrMapping/>
+  </p:clrMapOvr>
+</p:sld>
+</file>
+
+<file path=ppt/slides/slide9.xml><?xml version="1.0" encoding="utf-8"?>
+<p:sld xmlns:a="http://schemas.openxmlformats.org/drawingml/2006/main" xmlns:r="http://schemas.openxmlformats.org/officeDocument/2006/relationships" xmlns:p="http://schemas.openxmlformats.org/presentationml/2006/main">
+  <p:cSld>
+    <p:bg>
+      <p:bgPr>
+        <a:blipFill>
+          <a:blip r:embed="rId2"/>
+          <a:stretch/>
+        </a:blipFill>
+        <a:effectLst/>
+      </p:bgPr>
+    </p:bg>
+    <p:spTree>
+      <p:nvGrpSpPr>
+        <p:cNvPr id="1" name=""/>
+        <p:cNvGrpSpPr/>
+        <p:nvPr/>
+      </p:nvGrpSpPr>
+      <p:grpSpPr>
+        <a:xfrm>
+          <a:off x="0" y="0"/>
+          <a:ext cx="0" cy="0"/>
+          <a:chOff x="0" y="0"/>
+          <a:chExt cx="0" cy="0"/>
+        </a:xfrm>
+      </p:grpSpPr>
+      <p:pic>
+        <p:nvPicPr>
+          <p:cNvPr id="10" name="Picture 9">
+            <a:extLst>
+              <a:ext uri="{FF2B5EF4-FFF2-40B4-BE49-F238E27FC236}">
+                <a16:creationId xmlns:a16="http://schemas.microsoft.com/office/drawing/2014/main" id="{F3812132-56AD-436D-A522-B55990A6A8E0}"/>
+              </a:ext>
+              <a:ext uri="{C183D7F6-B498-43B3-948B-1728B52AA6E4}">
+                <adec:decorative xmlns:adec="http://schemas.microsoft.com/office/drawing/2017/decorative" val="1"/>
+              </a:ext>
+            </a:extLst>
+          </p:cNvPr>
+          <p:cNvPicPr>
+            <a:picLocks noGrp="1" noRot="1" noChangeAspect="1" noMove="1" noResize="1" noEditPoints="1" noAdjustHandles="1" noChangeArrowheads="1" noChangeShapeType="1" noCrop="1"/>
+          </p:cNvPicPr>
+          <p:nvPr>
+            <p:extLst>
+              <p:ext uri="{386F3935-93C4-4BCD-93E2-E3B085C9AB24}">
+                <p16:designElem xmlns:p16="http://schemas.microsoft.com/office/powerpoint/2015/main" val="1"/>
+              </p:ext>
+            </p:extLst>
+          </p:nvPr>
+        </p:nvPicPr>
+        <p:blipFill>
+          <a:blip r:embed="rId3">
+            <a:extLst>
+              <a:ext uri="{28A0092B-C50C-407E-A947-70E740481C1C}">
+                <a14:useLocalDpi xmlns:a14="http://schemas.microsoft.com/office/drawing/2010/main" val="0"/>
+              </a:ext>
+            </a:extLst>
+          </a:blip>
+          <a:stretch>
+            <a:fillRect/>
+          </a:stretch>
+        </p:blipFill>
+        <p:spPr>
+          <a:xfrm>
+            <a:off x="0" y="0"/>
+            <a:ext cx="12188825" cy="6856214"/>
+          </a:xfrm>
+          <a:prstGeom prst="rect">
+            <a:avLst/>
+          </a:prstGeom>
+        </p:spPr>
+      </p:pic>
+      <p:sp>
+        <p:nvSpPr>
+          <p:cNvPr id="2" name="Title 1">
+            <a:extLst>
+              <a:ext uri="{FF2B5EF4-FFF2-40B4-BE49-F238E27FC236}">
+                <a16:creationId xmlns:a16="http://schemas.microsoft.com/office/drawing/2014/main" id="{295BD2F1-1486-4B8C-1CD0-6F881E160094}"/>
+              </a:ext>
+            </a:extLst>
+          </p:cNvPr>
+          <p:cNvSpPr>
+            <a:spLocks noGrp="1"/>
+          </p:cNvSpPr>
+          <p:nvPr>
+            <p:ph type="title"/>
+          </p:nvPr>
+        </p:nvSpPr>
+        <p:spPr>
+          <a:xfrm>
+            <a:off x="643464" y="639097"/>
+            <a:ext cx="4789678" cy="3746634"/>
+          </a:xfrm>
+        </p:spPr>
+        <p:txBody>
+          <a:bodyPr vert="horz" lIns="91440" tIns="45720" rIns="91440" bIns="45720" rtlCol="0" anchor="b">
+            <a:normAutofit/>
+          </a:bodyPr>
+          <a:lstStyle/>
+          <a:p>
+            <a:pPr algn="r"/>
+            <a:r>
+              <a:rPr lang="en-US" sz="4800"/>
+              <a:t>Database usage conversations</a:t>
+            </a:r>
+          </a:p>
+        </p:txBody>
+      </p:sp>
+      <p:pic>
+        <p:nvPicPr>
+          <p:cNvPr id="5" name="Picture 4">
+            <a:extLst>
+              <a:ext uri="{FF2B5EF4-FFF2-40B4-BE49-F238E27FC236}">
+                <a16:creationId xmlns:a16="http://schemas.microsoft.com/office/drawing/2014/main" id="{6CE6ED54-0A3A-CD9D-BB4A-89DCB8307664}"/>
+              </a:ext>
+            </a:extLst>
+          </p:cNvPr>
+          <p:cNvPicPr>
+            <a:picLocks noChangeAspect="1"/>
+          </p:cNvPicPr>
+          <p:nvPr/>
+        </p:nvPicPr>
+        <p:blipFill>
+          <a:blip r:embed="rId4"/>
+          <a:stretch>
+            <a:fillRect/>
+          </a:stretch>
+        </p:blipFill>
+        <p:spPr>
+          <a:xfrm>
+            <a:off x="5543550" y="400049"/>
+            <a:ext cx="6467475" cy="5553075"/>
+          </a:xfrm>
+          <a:prstGeom prst="roundRect">
+            <a:avLst>
+              <a:gd name="adj" fmla="val 4380"/>
+            </a:avLst>
+          </a:prstGeom>
+          <a:ln w="50800" cap="sq" cmpd="dbl">
+            <a:gradFill flip="none" rotWithShape="1">
+              <a:gsLst>
+                <a:gs pos="0">
+                  <a:srgbClr val="FFFFFF"/>
+                </a:gs>
+                <a:gs pos="100000">
+                  <a:schemeClr val="tx1">
+                    <a:alpha val="0"/>
+                  </a:schemeClr>
+                </a:gs>
+              </a:gsLst>
+              <a:path path="circle">
+                <a:fillToRect l="50000" t="50000" r="50000" b="50000"/>
+              </a:path>
+              <a:tileRect/>
+            </a:gradFill>
+            <a:miter lim="800000"/>
+          </a:ln>
+          <a:effectLst>
+            <a:outerShdw blurRad="254000" algn="tl" rotWithShape="0">
+              <a:srgbClr val="000000">
+                <a:alpha val="43000"/>
+              </a:srgbClr>
+            </a:outerShdw>
+          </a:effectLst>
+        </p:spPr>
+      </p:pic>
+    </p:spTree>
+    <p:extLst>
+      <p:ext uri="{BB962C8B-B14F-4D97-AF65-F5344CB8AC3E}">
+        <p14:creationId xmlns:p14="http://schemas.microsoft.com/office/powerpoint/2010/main" val="1441370242"/>
       </p:ext>
     </p:extLst>
   </p:cSld>

--- a/CMPE-252 Social Media chatbot.pptx
+++ b/CMPE-252 Social Media chatbot.pptx
@@ -355,7 +355,7 @@
             <a:fld id="{B61BEF0D-F0BB-DE4B-95CE-6DB70DBA9567}" type="datetimeFigureOut">
               <a:rPr lang="en-US" dirty="0"/>
               <a:pPr/>
-              <a:t>11/25/2022</a:t>
+              <a:t>11/26/2022</a:t>
             </a:fld>
             <a:endParaRPr lang="en-US" dirty="0"/>
           </a:p>
@@ -686,7 +686,7 @@
             <a:fld id="{B61BEF0D-F0BB-DE4B-95CE-6DB70DBA9567}" type="datetimeFigureOut">
               <a:rPr lang="en-US" dirty="0"/>
               <a:pPr/>
-              <a:t>11/25/2022</a:t>
+              <a:t>11/26/2022</a:t>
             </a:fld>
             <a:endParaRPr lang="en-US" dirty="0"/>
           </a:p>
@@ -961,7 +961,7 @@
             <a:fld id="{B61BEF0D-F0BB-DE4B-95CE-6DB70DBA9567}" type="datetimeFigureOut">
               <a:rPr lang="en-US" dirty="0"/>
               <a:pPr/>
-              <a:t>11/25/2022</a:t>
+              <a:t>11/26/2022</a:t>
             </a:fld>
             <a:endParaRPr lang="en-US" dirty="0"/>
           </a:p>
@@ -1526,7 +1526,7 @@
             <a:fld id="{B61BEF0D-F0BB-DE4B-95CE-6DB70DBA9567}" type="datetimeFigureOut">
               <a:rPr lang="en-US" dirty="0"/>
               <a:pPr/>
-              <a:t>11/25/2022</a:t>
+              <a:t>11/26/2022</a:t>
             </a:fld>
             <a:endParaRPr lang="en-US" dirty="0"/>
           </a:p>
@@ -1801,7 +1801,7 @@
             <a:fld id="{B61BEF0D-F0BB-DE4B-95CE-6DB70DBA9567}" type="datetimeFigureOut">
               <a:rPr lang="en-US" dirty="0"/>
               <a:pPr/>
-              <a:t>11/25/2022</a:t>
+              <a:t>11/26/2022</a:t>
             </a:fld>
             <a:endParaRPr lang="en-US" dirty="0"/>
           </a:p>
@@ -2360,7 +2360,7 @@
             <a:fld id="{B61BEF0D-F0BB-DE4B-95CE-6DB70DBA9567}" type="datetimeFigureOut">
               <a:rPr lang="en-US" dirty="0"/>
               <a:pPr/>
-              <a:t>11/25/2022</a:t>
+              <a:t>11/26/2022</a:t>
             </a:fld>
             <a:endParaRPr lang="en-US" dirty="0"/>
           </a:p>
@@ -2684,7 +2684,7 @@
             <a:fld id="{B61BEF0D-F0BB-DE4B-95CE-6DB70DBA9567}" type="datetimeFigureOut">
               <a:rPr lang="en-US" dirty="0"/>
               <a:pPr/>
-              <a:t>11/25/2022</a:t>
+              <a:t>11/26/2022</a:t>
             </a:fld>
             <a:endParaRPr lang="en-US" dirty="0"/>
           </a:p>
@@ -2886,7 +2886,7 @@
             <a:fld id="{B61BEF0D-F0BB-DE4B-95CE-6DB70DBA9567}" type="datetimeFigureOut">
               <a:rPr lang="en-US" dirty="0"/>
               <a:pPr/>
-              <a:t>11/25/2022</a:t>
+              <a:t>11/26/2022</a:t>
             </a:fld>
             <a:endParaRPr lang="en-US" dirty="0"/>
           </a:p>
@@ -3093,7 +3093,7 @@
             <a:fld id="{B61BEF0D-F0BB-DE4B-95CE-6DB70DBA9567}" type="datetimeFigureOut">
               <a:rPr lang="en-US" dirty="0"/>
               <a:pPr/>
-              <a:t>11/25/2022</a:t>
+              <a:t>11/26/2022</a:t>
             </a:fld>
             <a:endParaRPr lang="en-US" dirty="0"/>
           </a:p>
@@ -3290,7 +3290,7 @@
             <a:fld id="{B61BEF0D-F0BB-DE4B-95CE-6DB70DBA9567}" type="datetimeFigureOut">
               <a:rPr lang="en-US" dirty="0"/>
               <a:pPr/>
-              <a:t>11/25/2022</a:t>
+              <a:t>11/26/2022</a:t>
             </a:fld>
             <a:endParaRPr lang="en-US" dirty="0"/>
           </a:p>
@@ -3563,7 +3563,7 @@
             <a:fld id="{B61BEF0D-F0BB-DE4B-95CE-6DB70DBA9567}" type="datetimeFigureOut">
               <a:rPr lang="en-US" dirty="0"/>
               <a:pPr/>
-              <a:t>11/25/2022</a:t>
+              <a:t>11/26/2022</a:t>
             </a:fld>
             <a:endParaRPr lang="en-US" dirty="0"/>
           </a:p>
@@ -3826,7 +3826,7 @@
             <a:fld id="{B61BEF0D-F0BB-DE4B-95CE-6DB70DBA9567}" type="datetimeFigureOut">
               <a:rPr lang="en-US" dirty="0"/>
               <a:pPr/>
-              <a:t>11/25/2022</a:t>
+              <a:t>11/26/2022</a:t>
             </a:fld>
             <a:endParaRPr lang="en-US" dirty="0"/>
           </a:p>
@@ -4197,7 +4197,7 @@
             <a:fld id="{B61BEF0D-F0BB-DE4B-95CE-6DB70DBA9567}" type="datetimeFigureOut">
               <a:rPr lang="en-US" dirty="0"/>
               <a:pPr/>
-              <a:t>11/25/2022</a:t>
+              <a:t>11/26/2022</a:t>
             </a:fld>
             <a:endParaRPr lang="en-US" dirty="0"/>
           </a:p>
@@ -4342,7 +4342,7 @@
             <a:fld id="{B61BEF0D-F0BB-DE4B-95CE-6DB70DBA9567}" type="datetimeFigureOut">
               <a:rPr lang="en-US" dirty="0"/>
               <a:pPr/>
-              <a:t>11/25/2022</a:t>
+              <a:t>11/26/2022</a:t>
             </a:fld>
             <a:endParaRPr lang="en-US" dirty="0"/>
           </a:p>
@@ -4464,7 +4464,7 @@
             <a:fld id="{B61BEF0D-F0BB-DE4B-95CE-6DB70DBA9567}" type="datetimeFigureOut">
               <a:rPr lang="en-US" dirty="0"/>
               <a:pPr/>
-              <a:t>11/25/2022</a:t>
+              <a:t>11/26/2022</a:t>
             </a:fld>
             <a:endParaRPr lang="en-US" dirty="0"/>
           </a:p>
@@ -4746,7 +4746,7 @@
             <a:fld id="{B61BEF0D-F0BB-DE4B-95CE-6DB70DBA9567}" type="datetimeFigureOut">
               <a:rPr lang="en-US" dirty="0"/>
               <a:pPr/>
-              <a:t>11/25/2022</a:t>
+              <a:t>11/26/2022</a:t>
             </a:fld>
             <a:endParaRPr lang="en-US" dirty="0"/>
           </a:p>
@@ -5067,7 +5067,7 @@
             <a:fld id="{B61BEF0D-F0BB-DE4B-95CE-6DB70DBA9567}" type="datetimeFigureOut">
               <a:rPr lang="en-US" dirty="0"/>
               <a:pPr/>
-              <a:t>11/25/2022</a:t>
+              <a:t>11/26/2022</a:t>
             </a:fld>
             <a:endParaRPr lang="en-US" dirty="0"/>
           </a:p>
@@ -5278,7 +5278,7 @@
             <a:fld id="{B61BEF0D-F0BB-DE4B-95CE-6DB70DBA9567}" type="datetimeFigureOut">
               <a:rPr lang="en-US" dirty="0"/>
               <a:pPr/>
-              <a:t>11/25/2022</a:t>
+              <a:t>11/26/2022</a:t>
             </a:fld>
             <a:endParaRPr lang="en-US" dirty="0"/>
           </a:p>

--- a/CMPE-252 Social Media chatbot.pptx
+++ b/CMPE-252 Social Media chatbot.pptx
@@ -355,7 +355,7 @@
             <a:fld id="{B61BEF0D-F0BB-DE4B-95CE-6DB70DBA9567}" type="datetimeFigureOut">
               <a:rPr lang="en-US" dirty="0"/>
               <a:pPr/>
-              <a:t>11/26/2022</a:t>
+              <a:t>11/28/2022</a:t>
             </a:fld>
             <a:endParaRPr lang="en-US" dirty="0"/>
           </a:p>
@@ -686,7 +686,7 @@
             <a:fld id="{B61BEF0D-F0BB-DE4B-95CE-6DB70DBA9567}" type="datetimeFigureOut">
               <a:rPr lang="en-US" dirty="0"/>
               <a:pPr/>
-              <a:t>11/26/2022</a:t>
+              <a:t>11/28/2022</a:t>
             </a:fld>
             <a:endParaRPr lang="en-US" dirty="0"/>
           </a:p>
@@ -961,7 +961,7 @@
             <a:fld id="{B61BEF0D-F0BB-DE4B-95CE-6DB70DBA9567}" type="datetimeFigureOut">
               <a:rPr lang="en-US" dirty="0"/>
               <a:pPr/>
-              <a:t>11/26/2022</a:t>
+              <a:t>11/28/2022</a:t>
             </a:fld>
             <a:endParaRPr lang="en-US" dirty="0"/>
           </a:p>
@@ -1526,7 +1526,7 @@
             <a:fld id="{B61BEF0D-F0BB-DE4B-95CE-6DB70DBA9567}" type="datetimeFigureOut">
               <a:rPr lang="en-US" dirty="0"/>
               <a:pPr/>
-              <a:t>11/26/2022</a:t>
+              <a:t>11/28/2022</a:t>
             </a:fld>
             <a:endParaRPr lang="en-US" dirty="0"/>
           </a:p>
@@ -1801,7 +1801,7 @@
             <a:fld id="{B61BEF0D-F0BB-DE4B-95CE-6DB70DBA9567}" type="datetimeFigureOut">
               <a:rPr lang="en-US" dirty="0"/>
               <a:pPr/>
-              <a:t>11/26/2022</a:t>
+              <a:t>11/28/2022</a:t>
             </a:fld>
             <a:endParaRPr lang="en-US" dirty="0"/>
           </a:p>
@@ -2360,7 +2360,7 @@
             <a:fld id="{B61BEF0D-F0BB-DE4B-95CE-6DB70DBA9567}" type="datetimeFigureOut">
               <a:rPr lang="en-US" dirty="0"/>
               <a:pPr/>
-              <a:t>11/26/2022</a:t>
+              <a:t>11/28/2022</a:t>
             </a:fld>
             <a:endParaRPr lang="en-US" dirty="0"/>
           </a:p>
@@ -2684,7 +2684,7 @@
             <a:fld id="{B61BEF0D-F0BB-DE4B-95CE-6DB70DBA9567}" type="datetimeFigureOut">
               <a:rPr lang="en-US" dirty="0"/>
               <a:pPr/>
-              <a:t>11/26/2022</a:t>
+              <a:t>11/28/2022</a:t>
             </a:fld>
             <a:endParaRPr lang="en-US" dirty="0"/>
           </a:p>
@@ -2886,7 +2886,7 @@
             <a:fld id="{B61BEF0D-F0BB-DE4B-95CE-6DB70DBA9567}" type="datetimeFigureOut">
               <a:rPr lang="en-US" dirty="0"/>
               <a:pPr/>
-              <a:t>11/26/2022</a:t>
+              <a:t>11/28/2022</a:t>
             </a:fld>
             <a:endParaRPr lang="en-US" dirty="0"/>
           </a:p>
@@ -3093,7 +3093,7 @@
             <a:fld id="{B61BEF0D-F0BB-DE4B-95CE-6DB70DBA9567}" type="datetimeFigureOut">
               <a:rPr lang="en-US" dirty="0"/>
               <a:pPr/>
-              <a:t>11/26/2022</a:t>
+              <a:t>11/28/2022</a:t>
             </a:fld>
             <a:endParaRPr lang="en-US" dirty="0"/>
           </a:p>
@@ -3290,7 +3290,7 @@
             <a:fld id="{B61BEF0D-F0BB-DE4B-95CE-6DB70DBA9567}" type="datetimeFigureOut">
               <a:rPr lang="en-US" dirty="0"/>
               <a:pPr/>
-              <a:t>11/26/2022</a:t>
+              <a:t>11/28/2022</a:t>
             </a:fld>
             <a:endParaRPr lang="en-US" dirty="0"/>
           </a:p>
@@ -3563,7 +3563,7 @@
             <a:fld id="{B61BEF0D-F0BB-DE4B-95CE-6DB70DBA9567}" type="datetimeFigureOut">
               <a:rPr lang="en-US" dirty="0"/>
               <a:pPr/>
-              <a:t>11/26/2022</a:t>
+              <a:t>11/28/2022</a:t>
             </a:fld>
             <a:endParaRPr lang="en-US" dirty="0"/>
           </a:p>
@@ -3826,7 +3826,7 @@
             <a:fld id="{B61BEF0D-F0BB-DE4B-95CE-6DB70DBA9567}" type="datetimeFigureOut">
               <a:rPr lang="en-US" dirty="0"/>
               <a:pPr/>
-              <a:t>11/26/2022</a:t>
+              <a:t>11/28/2022</a:t>
             </a:fld>
             <a:endParaRPr lang="en-US" dirty="0"/>
           </a:p>
@@ -4197,7 +4197,7 @@
             <a:fld id="{B61BEF0D-F0BB-DE4B-95CE-6DB70DBA9567}" type="datetimeFigureOut">
               <a:rPr lang="en-US" dirty="0"/>
               <a:pPr/>
-              <a:t>11/26/2022</a:t>
+              <a:t>11/28/2022</a:t>
             </a:fld>
             <a:endParaRPr lang="en-US" dirty="0"/>
           </a:p>
@@ -4342,7 +4342,7 @@
             <a:fld id="{B61BEF0D-F0BB-DE4B-95CE-6DB70DBA9567}" type="datetimeFigureOut">
               <a:rPr lang="en-US" dirty="0"/>
               <a:pPr/>
-              <a:t>11/26/2022</a:t>
+              <a:t>11/28/2022</a:t>
             </a:fld>
             <a:endParaRPr lang="en-US" dirty="0"/>
           </a:p>
@@ -4464,7 +4464,7 @@
             <a:fld id="{B61BEF0D-F0BB-DE4B-95CE-6DB70DBA9567}" type="datetimeFigureOut">
               <a:rPr lang="en-US" dirty="0"/>
               <a:pPr/>
-              <a:t>11/26/2022</a:t>
+              <a:t>11/28/2022</a:t>
             </a:fld>
             <a:endParaRPr lang="en-US" dirty="0"/>
           </a:p>
@@ -4746,7 +4746,7 @@
             <a:fld id="{B61BEF0D-F0BB-DE4B-95CE-6DB70DBA9567}" type="datetimeFigureOut">
               <a:rPr lang="en-US" dirty="0"/>
               <a:pPr/>
-              <a:t>11/26/2022</a:t>
+              <a:t>11/28/2022</a:t>
             </a:fld>
             <a:endParaRPr lang="en-US" dirty="0"/>
           </a:p>
@@ -5067,7 +5067,7 @@
             <a:fld id="{B61BEF0D-F0BB-DE4B-95CE-6DB70DBA9567}" type="datetimeFigureOut">
               <a:rPr lang="en-US" dirty="0"/>
               <a:pPr/>
-              <a:t>11/26/2022</a:t>
+              <a:t>11/28/2022</a:t>
             </a:fld>
             <a:endParaRPr lang="en-US" dirty="0"/>
           </a:p>
@@ -5278,7 +5278,7 @@
             <a:fld id="{B61BEF0D-F0BB-DE4B-95CE-6DB70DBA9567}" type="datetimeFigureOut">
               <a:rPr lang="en-US" dirty="0"/>
               <a:pPr/>
-              <a:t>11/26/2022</a:t>
+              <a:t>11/28/2022</a:t>
             </a:fld>
             <a:endParaRPr lang="en-US" dirty="0"/>
           </a:p>

--- a/CMPE-252 Social Media chatbot.pptx
+++ b/CMPE-252 Social Media chatbot.pptx
@@ -355,7 +355,7 @@
             <a:fld id="{B61BEF0D-F0BB-DE4B-95CE-6DB70DBA9567}" type="datetimeFigureOut">
               <a:rPr lang="en-US" dirty="0"/>
               <a:pPr/>
-              <a:t>11/28/2022</a:t>
+              <a:t>11/29/2022</a:t>
             </a:fld>
             <a:endParaRPr lang="en-US" dirty="0"/>
           </a:p>
@@ -686,7 +686,7 @@
             <a:fld id="{B61BEF0D-F0BB-DE4B-95CE-6DB70DBA9567}" type="datetimeFigureOut">
               <a:rPr lang="en-US" dirty="0"/>
               <a:pPr/>
-              <a:t>11/28/2022</a:t>
+              <a:t>11/29/2022</a:t>
             </a:fld>
             <a:endParaRPr lang="en-US" dirty="0"/>
           </a:p>
@@ -961,7 +961,7 @@
             <a:fld id="{B61BEF0D-F0BB-DE4B-95CE-6DB70DBA9567}" type="datetimeFigureOut">
               <a:rPr lang="en-US" dirty="0"/>
               <a:pPr/>
-              <a:t>11/28/2022</a:t>
+              <a:t>11/29/2022</a:t>
             </a:fld>
             <a:endParaRPr lang="en-US" dirty="0"/>
           </a:p>
@@ -1526,7 +1526,7 @@
             <a:fld id="{B61BEF0D-F0BB-DE4B-95CE-6DB70DBA9567}" type="datetimeFigureOut">
               <a:rPr lang="en-US" dirty="0"/>
               <a:pPr/>
-              <a:t>11/28/2022</a:t>
+              <a:t>11/29/2022</a:t>
             </a:fld>
             <a:endParaRPr lang="en-US" dirty="0"/>
           </a:p>
@@ -1801,7 +1801,7 @@
             <a:fld id="{B61BEF0D-F0BB-DE4B-95CE-6DB70DBA9567}" type="datetimeFigureOut">
               <a:rPr lang="en-US" dirty="0"/>
               <a:pPr/>
-              <a:t>11/28/2022</a:t>
+              <a:t>11/29/2022</a:t>
             </a:fld>
             <a:endParaRPr lang="en-US" dirty="0"/>
           </a:p>
@@ -2360,7 +2360,7 @@
             <a:fld id="{B61BEF0D-F0BB-DE4B-95CE-6DB70DBA9567}" type="datetimeFigureOut">
               <a:rPr lang="en-US" dirty="0"/>
               <a:pPr/>
-              <a:t>11/28/2022</a:t>
+              <a:t>11/29/2022</a:t>
             </a:fld>
             <a:endParaRPr lang="en-US" dirty="0"/>
           </a:p>
@@ -2684,7 +2684,7 @@
             <a:fld id="{B61BEF0D-F0BB-DE4B-95CE-6DB70DBA9567}" type="datetimeFigureOut">
               <a:rPr lang="en-US" dirty="0"/>
               <a:pPr/>
-              <a:t>11/28/2022</a:t>
+              <a:t>11/29/2022</a:t>
             </a:fld>
             <a:endParaRPr lang="en-US" dirty="0"/>
           </a:p>
@@ -2886,7 +2886,7 @@
             <a:fld id="{B61BEF0D-F0BB-DE4B-95CE-6DB70DBA9567}" type="datetimeFigureOut">
               <a:rPr lang="en-US" dirty="0"/>
               <a:pPr/>
-              <a:t>11/28/2022</a:t>
+              <a:t>11/29/2022</a:t>
             </a:fld>
             <a:endParaRPr lang="en-US" dirty="0"/>
           </a:p>
@@ -3093,7 +3093,7 @@
             <a:fld id="{B61BEF0D-F0BB-DE4B-95CE-6DB70DBA9567}" type="datetimeFigureOut">
               <a:rPr lang="en-US" dirty="0"/>
               <a:pPr/>
-              <a:t>11/28/2022</a:t>
+              <a:t>11/29/2022</a:t>
             </a:fld>
             <a:endParaRPr lang="en-US" dirty="0"/>
           </a:p>
@@ -3290,7 +3290,7 @@
             <a:fld id="{B61BEF0D-F0BB-DE4B-95CE-6DB70DBA9567}" type="datetimeFigureOut">
               <a:rPr lang="en-US" dirty="0"/>
               <a:pPr/>
-              <a:t>11/28/2022</a:t>
+              <a:t>11/29/2022</a:t>
             </a:fld>
             <a:endParaRPr lang="en-US" dirty="0"/>
           </a:p>
@@ -3563,7 +3563,7 @@
             <a:fld id="{B61BEF0D-F0BB-DE4B-95CE-6DB70DBA9567}" type="datetimeFigureOut">
               <a:rPr lang="en-US" dirty="0"/>
               <a:pPr/>
-              <a:t>11/28/2022</a:t>
+              <a:t>11/29/2022</a:t>
             </a:fld>
             <a:endParaRPr lang="en-US" dirty="0"/>
           </a:p>
@@ -3826,7 +3826,7 @@
             <a:fld id="{B61BEF0D-F0BB-DE4B-95CE-6DB70DBA9567}" type="datetimeFigureOut">
               <a:rPr lang="en-US" dirty="0"/>
               <a:pPr/>
-              <a:t>11/28/2022</a:t>
+              <a:t>11/29/2022</a:t>
             </a:fld>
             <a:endParaRPr lang="en-US" dirty="0"/>
           </a:p>
@@ -4197,7 +4197,7 @@
             <a:fld id="{B61BEF0D-F0BB-DE4B-95CE-6DB70DBA9567}" type="datetimeFigureOut">
               <a:rPr lang="en-US" dirty="0"/>
               <a:pPr/>
-              <a:t>11/28/2022</a:t>
+              <a:t>11/29/2022</a:t>
             </a:fld>
             <a:endParaRPr lang="en-US" dirty="0"/>
           </a:p>
@@ -4342,7 +4342,7 @@
             <a:fld id="{B61BEF0D-F0BB-DE4B-95CE-6DB70DBA9567}" type="datetimeFigureOut">
               <a:rPr lang="en-US" dirty="0"/>
               <a:pPr/>
-              <a:t>11/28/2022</a:t>
+              <a:t>11/29/2022</a:t>
             </a:fld>
             <a:endParaRPr lang="en-US" dirty="0"/>
           </a:p>
@@ -4464,7 +4464,7 @@
             <a:fld id="{B61BEF0D-F0BB-DE4B-95CE-6DB70DBA9567}" type="datetimeFigureOut">
               <a:rPr lang="en-US" dirty="0"/>
               <a:pPr/>
-              <a:t>11/28/2022</a:t>
+              <a:t>11/29/2022</a:t>
             </a:fld>
             <a:endParaRPr lang="en-US" dirty="0"/>
           </a:p>
@@ -4746,7 +4746,7 @@
             <a:fld id="{B61BEF0D-F0BB-DE4B-95CE-6DB70DBA9567}" type="datetimeFigureOut">
               <a:rPr lang="en-US" dirty="0"/>
               <a:pPr/>
-              <a:t>11/28/2022</a:t>
+              <a:t>11/29/2022</a:t>
             </a:fld>
             <a:endParaRPr lang="en-US" dirty="0"/>
           </a:p>
@@ -5067,7 +5067,7 @@
             <a:fld id="{B61BEF0D-F0BB-DE4B-95CE-6DB70DBA9567}" type="datetimeFigureOut">
               <a:rPr lang="en-US" dirty="0"/>
               <a:pPr/>
-              <a:t>11/28/2022</a:t>
+              <a:t>11/29/2022</a:t>
             </a:fld>
             <a:endParaRPr lang="en-US" dirty="0"/>
           </a:p>
@@ -5278,7 +5278,7 @@
             <a:fld id="{B61BEF0D-F0BB-DE4B-95CE-6DB70DBA9567}" type="datetimeFigureOut">
               <a:rPr lang="en-US" dirty="0"/>
               <a:pPr/>
-              <a:t>11/28/2022</a:t>
+              <a:t>11/29/2022</a:t>
             </a:fld>
             <a:endParaRPr lang="en-US" dirty="0"/>
           </a:p>
@@ -6211,21 +6211,7 @@
                 <a:effectLst/>
                 <a:latin typeface="-apple-system"/>
               </a:rPr>
-              <a:t> Trying to run actions for the first time was very difficult as I made </a:t>
-            </a:r>
-            <a:r>
-              <a:rPr lang="en-US" sz="2000" b="0" i="0" dirty="0" err="1">
-                <a:effectLst/>
-                <a:latin typeface="-apple-system"/>
-              </a:rPr>
-              <a:t>made</a:t>
-            </a:r>
-            <a:r>
-              <a:rPr lang="en-US" sz="2000" b="0" i="0" dirty="0">
-                <a:effectLst/>
-                <a:latin typeface="-apple-system"/>
-              </a:rPr>
-              <a:t> mistakes in port number.</a:t>
+              <a:t> Trying to run actions for the first time was very difficult as I made mistakes in port number.</a:t>
             </a:r>
           </a:p>
           <a:p>

--- a/CMPE-252 Social Media chatbot.pptx
+++ b/CMPE-252 Social Media chatbot.pptx
@@ -355,7 +355,7 @@
             <a:fld id="{B61BEF0D-F0BB-DE4B-95CE-6DB70DBA9567}" type="datetimeFigureOut">
               <a:rPr lang="en-US" dirty="0"/>
               <a:pPr/>
-              <a:t>11/29/2022</a:t>
+              <a:t>11/30/2022</a:t>
             </a:fld>
             <a:endParaRPr lang="en-US" dirty="0"/>
           </a:p>
@@ -686,7 +686,7 @@
             <a:fld id="{B61BEF0D-F0BB-DE4B-95CE-6DB70DBA9567}" type="datetimeFigureOut">
               <a:rPr lang="en-US" dirty="0"/>
               <a:pPr/>
-              <a:t>11/29/2022</a:t>
+              <a:t>11/30/2022</a:t>
             </a:fld>
             <a:endParaRPr lang="en-US" dirty="0"/>
           </a:p>
@@ -961,7 +961,7 @@
             <a:fld id="{B61BEF0D-F0BB-DE4B-95CE-6DB70DBA9567}" type="datetimeFigureOut">
               <a:rPr lang="en-US" dirty="0"/>
               <a:pPr/>
-              <a:t>11/29/2022</a:t>
+              <a:t>11/30/2022</a:t>
             </a:fld>
             <a:endParaRPr lang="en-US" dirty="0"/>
           </a:p>
@@ -1526,7 +1526,7 @@
             <a:fld id="{B61BEF0D-F0BB-DE4B-95CE-6DB70DBA9567}" type="datetimeFigureOut">
               <a:rPr lang="en-US" dirty="0"/>
               <a:pPr/>
-              <a:t>11/29/2022</a:t>
+              <a:t>11/30/2022</a:t>
             </a:fld>
             <a:endParaRPr lang="en-US" dirty="0"/>
           </a:p>
@@ -1801,7 +1801,7 @@
             <a:fld id="{B61BEF0D-F0BB-DE4B-95CE-6DB70DBA9567}" type="datetimeFigureOut">
               <a:rPr lang="en-US" dirty="0"/>
               <a:pPr/>
-              <a:t>11/29/2022</a:t>
+              <a:t>11/30/2022</a:t>
             </a:fld>
             <a:endParaRPr lang="en-US" dirty="0"/>
           </a:p>
@@ -2360,7 +2360,7 @@
             <a:fld id="{B61BEF0D-F0BB-DE4B-95CE-6DB70DBA9567}" type="datetimeFigureOut">
               <a:rPr lang="en-US" dirty="0"/>
               <a:pPr/>
-              <a:t>11/29/2022</a:t>
+              <a:t>11/30/2022</a:t>
             </a:fld>
             <a:endParaRPr lang="en-US" dirty="0"/>
           </a:p>
@@ -2684,7 +2684,7 @@
             <a:fld id="{B61BEF0D-F0BB-DE4B-95CE-6DB70DBA9567}" type="datetimeFigureOut">
               <a:rPr lang="en-US" dirty="0"/>
               <a:pPr/>
-              <a:t>11/29/2022</a:t>
+              <a:t>11/30/2022</a:t>
             </a:fld>
             <a:endParaRPr lang="en-US" dirty="0"/>
           </a:p>
@@ -2886,7 +2886,7 @@
             <a:fld id="{B61BEF0D-F0BB-DE4B-95CE-6DB70DBA9567}" type="datetimeFigureOut">
               <a:rPr lang="en-US" dirty="0"/>
               <a:pPr/>
-              <a:t>11/29/2022</a:t>
+              <a:t>11/30/2022</a:t>
             </a:fld>
             <a:endParaRPr lang="en-US" dirty="0"/>
           </a:p>
@@ -3093,7 +3093,7 @@
             <a:fld id="{B61BEF0D-F0BB-DE4B-95CE-6DB70DBA9567}" type="datetimeFigureOut">
               <a:rPr lang="en-US" dirty="0"/>
               <a:pPr/>
-              <a:t>11/29/2022</a:t>
+              <a:t>11/30/2022</a:t>
             </a:fld>
             <a:endParaRPr lang="en-US" dirty="0"/>
           </a:p>
@@ -3290,7 +3290,7 @@
             <a:fld id="{B61BEF0D-F0BB-DE4B-95CE-6DB70DBA9567}" type="datetimeFigureOut">
               <a:rPr lang="en-US" dirty="0"/>
               <a:pPr/>
-              <a:t>11/29/2022</a:t>
+              <a:t>11/30/2022</a:t>
             </a:fld>
             <a:endParaRPr lang="en-US" dirty="0"/>
           </a:p>
@@ -3563,7 +3563,7 @@
             <a:fld id="{B61BEF0D-F0BB-DE4B-95CE-6DB70DBA9567}" type="datetimeFigureOut">
               <a:rPr lang="en-US" dirty="0"/>
               <a:pPr/>
-              <a:t>11/29/2022</a:t>
+              <a:t>11/30/2022</a:t>
             </a:fld>
             <a:endParaRPr lang="en-US" dirty="0"/>
           </a:p>
@@ -3826,7 +3826,7 @@
             <a:fld id="{B61BEF0D-F0BB-DE4B-95CE-6DB70DBA9567}" type="datetimeFigureOut">
               <a:rPr lang="en-US" dirty="0"/>
               <a:pPr/>
-              <a:t>11/29/2022</a:t>
+              <a:t>11/30/2022</a:t>
             </a:fld>
             <a:endParaRPr lang="en-US" dirty="0"/>
           </a:p>
@@ -4197,7 +4197,7 @@
             <a:fld id="{B61BEF0D-F0BB-DE4B-95CE-6DB70DBA9567}" type="datetimeFigureOut">
               <a:rPr lang="en-US" dirty="0"/>
               <a:pPr/>
-              <a:t>11/29/2022</a:t>
+              <a:t>11/30/2022</a:t>
             </a:fld>
             <a:endParaRPr lang="en-US" dirty="0"/>
           </a:p>
@@ -4342,7 +4342,7 @@
             <a:fld id="{B61BEF0D-F0BB-DE4B-95CE-6DB70DBA9567}" type="datetimeFigureOut">
               <a:rPr lang="en-US" dirty="0"/>
               <a:pPr/>
-              <a:t>11/29/2022</a:t>
+              <a:t>11/30/2022</a:t>
             </a:fld>
             <a:endParaRPr lang="en-US" dirty="0"/>
           </a:p>
@@ -4464,7 +4464,7 @@
             <a:fld id="{B61BEF0D-F0BB-DE4B-95CE-6DB70DBA9567}" type="datetimeFigureOut">
               <a:rPr lang="en-US" dirty="0"/>
               <a:pPr/>
-              <a:t>11/29/2022</a:t>
+              <a:t>11/30/2022</a:t>
             </a:fld>
             <a:endParaRPr lang="en-US" dirty="0"/>
           </a:p>
@@ -4746,7 +4746,7 @@
             <a:fld id="{B61BEF0D-F0BB-DE4B-95CE-6DB70DBA9567}" type="datetimeFigureOut">
               <a:rPr lang="en-US" dirty="0"/>
               <a:pPr/>
-              <a:t>11/29/2022</a:t>
+              <a:t>11/30/2022</a:t>
             </a:fld>
             <a:endParaRPr lang="en-US" dirty="0"/>
           </a:p>
@@ -5067,7 +5067,7 @@
             <a:fld id="{B61BEF0D-F0BB-DE4B-95CE-6DB70DBA9567}" type="datetimeFigureOut">
               <a:rPr lang="en-US" dirty="0"/>
               <a:pPr/>
-              <a:t>11/29/2022</a:t>
+              <a:t>11/30/2022</a:t>
             </a:fld>
             <a:endParaRPr lang="en-US" dirty="0"/>
           </a:p>
@@ -5278,7 +5278,7 @@
             <a:fld id="{B61BEF0D-F0BB-DE4B-95CE-6DB70DBA9567}" type="datetimeFigureOut">
               <a:rPr lang="en-US" dirty="0"/>
               <a:pPr/>
-              <a:t>11/29/2022</a:t>
+              <a:t>11/30/2022</a:t>
             </a:fld>
             <a:endParaRPr lang="en-US" dirty="0"/>
           </a:p>
@@ -5889,6 +5889,48 @@
           </a:p>
         </p:txBody>
       </p:sp>
+      <p:sp>
+        <p:nvSpPr>
+          <p:cNvPr id="5" name="TextBox 4">
+            <a:extLst>
+              <a:ext uri="{FF2B5EF4-FFF2-40B4-BE49-F238E27FC236}">
+                <a16:creationId xmlns:a16="http://schemas.microsoft.com/office/drawing/2014/main" id="{1ABBEC0C-F325-FA25-7237-2B03A6319588}"/>
+              </a:ext>
+            </a:extLst>
+          </p:cNvPr>
+          <p:cNvSpPr txBox="1"/>
+          <p:nvPr/>
+        </p:nvSpPr>
+        <p:spPr>
+          <a:xfrm>
+            <a:off x="4150956" y="5421867"/>
+            <a:ext cx="7913448" cy="369332"/>
+          </a:xfrm>
+          <a:prstGeom prst="rect">
+            <a:avLst/>
+          </a:prstGeom>
+          <a:noFill/>
+        </p:spPr>
+        <p:txBody>
+          <a:bodyPr wrap="none" rtlCol="0">
+            <a:spAutoFit/>
+          </a:bodyPr>
+          <a:lstStyle/>
+          <a:p>
+            <a:r>
+              <a:rPr lang="en-US" dirty="0"/>
+              <a:t>GitHub URL : </a:t>
+            </a:r>
+            <a:r>
+              <a:rPr lang="en-US" dirty="0">
+                <a:hlinkClick r:id="rId2"/>
+              </a:rPr>
+              <a:t>https://github.com/ketanmalempati/CMPE-252-SocialMedia-ChatBot</a:t>
+            </a:r>
+            <a:endParaRPr lang="en-IN" dirty="0"/>
+          </a:p>
+        </p:txBody>
+      </p:sp>
     </p:spTree>
     <p:extLst>
       <p:ext uri="{BB962C8B-B14F-4D97-AF65-F5344CB8AC3E}">
